--- a/spring16/slidesS16/predicate-logic6.pptx
+++ b/spring16/slidesS16/predicate-logic6.pptx
@@ -5,28 +5,33 @@
     <p:sldMasterId id="2147483650" r:id="rId1"/>
   </p:sldMasterIdLst>
   <p:notesMasterIdLst>
-    <p:notesMasterId r:id="rId13"/>
+    <p:notesMasterId r:id="rId18"/>
   </p:notesMasterIdLst>
   <p:handoutMasterIdLst>
-    <p:handoutMasterId r:id="rId14"/>
+    <p:handoutMasterId r:id="rId19"/>
   </p:handoutMasterIdLst>
   <p:sldIdLst>
     <p:sldId id="256" r:id="rId2"/>
-    <p:sldId id="267" r:id="rId3"/>
-    <p:sldId id="257" r:id="rId4"/>
-    <p:sldId id="258" r:id="rId5"/>
+    <p:sldId id="257" r:id="rId3"/>
+    <p:sldId id="273" r:id="rId4"/>
+    <p:sldId id="271" r:id="rId5"/>
     <p:sldId id="259" r:id="rId6"/>
     <p:sldId id="261" r:id="rId7"/>
-    <p:sldId id="262" r:id="rId8"/>
-    <p:sldId id="263" r:id="rId9"/>
-    <p:sldId id="264" r:id="rId10"/>
-    <p:sldId id="265" r:id="rId11"/>
-    <p:sldId id="266" r:id="rId12"/>
+    <p:sldId id="268" r:id="rId8"/>
+    <p:sldId id="262" r:id="rId9"/>
+    <p:sldId id="269" r:id="rId10"/>
+    <p:sldId id="263" r:id="rId11"/>
+    <p:sldId id="277" r:id="rId12"/>
+    <p:sldId id="278" r:id="rId13"/>
+    <p:sldId id="279" r:id="rId14"/>
+    <p:sldId id="265" r:id="rId15"/>
+    <p:sldId id="266" r:id="rId16"/>
+    <p:sldId id="270" r:id="rId17"/>
   </p:sldIdLst>
   <p:sldSz cx="9144000" cy="6858000" type="screen4x3"/>
   <p:notesSz cx="9601200" cy="7315200"/>
   <p:custDataLst>
-    <p:tags r:id="rId16"/>
+    <p:tags r:id="rId21"/>
   </p:custDataLst>
   <p:defaultTextStyle>
     <a:defPPr>
@@ -889,90 +894,6 @@
 </p:notes>
 </file>
 
-<file path=ppt/notesSlides/notesSlide2.xml><?xml version="1.0" encoding="utf-8"?>
-<p:notes xmlns:a="http://schemas.openxmlformats.org/drawingml/2006/main" xmlns:r="http://schemas.openxmlformats.org/officeDocument/2006/relationships" xmlns:p="http://schemas.openxmlformats.org/presentationml/2006/main">
-  <p:cSld>
-    <p:spTree>
-      <p:nvGrpSpPr>
-        <p:cNvPr id="1" name=""/>
-        <p:cNvGrpSpPr/>
-        <p:nvPr/>
-      </p:nvGrpSpPr>
-      <p:grpSpPr>
-        <a:xfrm>
-          <a:off x="0" y="0"/>
-          <a:ext cx="0" cy="0"/>
-          <a:chOff x="0" y="0"/>
-          <a:chExt cx="0" cy="0"/>
-        </a:xfrm>
-      </p:grpSpPr>
-      <p:sp>
-        <p:nvSpPr>
-          <p:cNvPr id="7" name="Rectangle 7"/>
-          <p:cNvSpPr>
-            <a:spLocks noGrp="1" noChangeArrowheads="1"/>
-          </p:cNvSpPr>
-          <p:nvPr>
-            <p:ph type="sldNum" sz="quarter" idx="5"/>
-          </p:nvPr>
-        </p:nvSpPr>
-        <p:spPr>
-          <a:ln/>
-        </p:spPr>
-        <p:txBody>
-          <a:bodyPr/>
-          <a:lstStyle/>
-          <a:p>
-            <a:fld id="{F35BA567-AA92-4323-BE7D-C01256535593}" type="slidenum">
-              <a:rPr lang="en-US"/>
-              <a:pPr/>
-              <a:t>2</a:t>
-            </a:fld>
-            <a:endParaRPr lang="en-US"/>
-          </a:p>
-        </p:txBody>
-      </p:sp>
-      <p:sp>
-        <p:nvSpPr>
-          <p:cNvPr id="133122" name="Rectangle 2"/>
-          <p:cNvSpPr>
-            <a:spLocks noGrp="1" noRot="1" noChangeAspect="1" noChangeArrowheads="1" noTextEdit="1"/>
-          </p:cNvSpPr>
-          <p:nvPr>
-            <p:ph type="sldImg"/>
-          </p:nvPr>
-        </p:nvSpPr>
-        <p:spPr>
-          <a:ln/>
-        </p:spPr>
-      </p:sp>
-      <p:sp>
-        <p:nvSpPr>
-          <p:cNvPr id="133123" name="Rectangle 3"/>
-          <p:cNvSpPr>
-            <a:spLocks noGrp="1" noChangeArrowheads="1"/>
-          </p:cNvSpPr>
-          <p:nvPr>
-            <p:ph type="body" idx="1"/>
-          </p:nvPr>
-        </p:nvSpPr>
-        <p:spPr/>
-        <p:txBody>
-          <a:bodyPr/>
-          <a:lstStyle/>
-          <a:p>
-            <a:endParaRPr lang="en-US"/>
-          </a:p>
-        </p:txBody>
-      </p:sp>
-    </p:spTree>
-  </p:cSld>
-  <p:clrMapOvr>
-    <a:masterClrMapping/>
-  </p:clrMapOvr>
-</p:notes>
-</file>
-
 <file path=ppt/slideLayouts/slideLayout1.xml><?xml version="1.0" encoding="utf-8"?>
 <p:sldLayout xmlns:a="http://schemas.openxmlformats.org/drawingml/2006/main" xmlns:r="http://schemas.openxmlformats.org/officeDocument/2006/relationships" xmlns:p="http://schemas.openxmlformats.org/presentationml/2006/main" type="title" preserve="1">
   <p:cSld name="Title Slide">
@@ -1155,7 +1076,10 @@
         <p:txBody>
           <a:bodyPr/>
           <a:lstStyle>
-            <a:lvl2pPr>
+            <a:lvl2pPr marL="0" indent="0">
+              <a:spcBef>
+                <a:spcPts val="0"/>
+              </a:spcBef>
               <a:defRPr>
                 <a:latin typeface="Comic Sans MS" pitchFamily="66" charset="0"/>
               </a:defRPr>
@@ -1222,131 +1146,6 @@
   <p:transition xmlns:p14="http://schemas.microsoft.com/office/powerpoint/2010/main" spd="slow" advClick="0">
     <p:fade/>
   </p:transition>
-</p:sldLayout>
-</file>
-
-<file path=ppt/slideLayouts/slideLayout3.xml><?xml version="1.0" encoding="utf-8"?>
-<p:sldLayout xmlns:a="http://schemas.openxmlformats.org/drawingml/2006/main" xmlns:r="http://schemas.openxmlformats.org/officeDocument/2006/relationships" xmlns:p="http://schemas.openxmlformats.org/presentationml/2006/main" type="secHead" preserve="1">
-  <p:cSld name="Section Header">
-    <p:spTree>
-      <p:nvGrpSpPr>
-        <p:cNvPr id="1" name=""/>
-        <p:cNvGrpSpPr/>
-        <p:nvPr/>
-      </p:nvGrpSpPr>
-      <p:grpSpPr>
-        <a:xfrm>
-          <a:off x="0" y="0"/>
-          <a:ext cx="0" cy="0"/>
-          <a:chOff x="0" y="0"/>
-          <a:chExt cx="0" cy="0"/>
-        </a:xfrm>
-      </p:grpSpPr>
-      <p:sp>
-        <p:nvSpPr>
-          <p:cNvPr id="2" name="Title 1"/>
-          <p:cNvSpPr>
-            <a:spLocks noGrp="1"/>
-          </p:cNvSpPr>
-          <p:nvPr>
-            <p:ph type="title"/>
-          </p:nvPr>
-        </p:nvSpPr>
-        <p:spPr>
-          <a:xfrm>
-            <a:off x="722313" y="4406900"/>
-            <a:ext cx="7772400" cy="1362075"/>
-          </a:xfrm>
-        </p:spPr>
-        <p:txBody>
-          <a:bodyPr anchor="t"/>
-          <a:lstStyle>
-            <a:lvl1pPr algn="l">
-              <a:defRPr sz="4000" b="1" cap="all"/>
-            </a:lvl1pPr>
-          </a:lstStyle>
-          <a:p>
-            <a:r>
-              <a:rPr lang="en-US" smtClean="0"/>
-              <a:t>Click to edit Master title style</a:t>
-            </a:r>
-            <a:endParaRPr lang="en-US"/>
-          </a:p>
-        </p:txBody>
-      </p:sp>
-      <p:sp>
-        <p:nvSpPr>
-          <p:cNvPr id="3" name="Text Placeholder 2"/>
-          <p:cNvSpPr>
-            <a:spLocks noGrp="1"/>
-          </p:cNvSpPr>
-          <p:nvPr>
-            <p:ph type="body" idx="1"/>
-          </p:nvPr>
-        </p:nvSpPr>
-        <p:spPr>
-          <a:xfrm>
-            <a:off x="722313" y="2906713"/>
-            <a:ext cx="7772400" cy="1500187"/>
-          </a:xfrm>
-        </p:spPr>
-        <p:txBody>
-          <a:bodyPr anchor="b"/>
-          <a:lstStyle>
-            <a:lvl1pPr marL="0" indent="0">
-              <a:buNone/>
-              <a:defRPr sz="2000"/>
-            </a:lvl1pPr>
-            <a:lvl2pPr marL="457200" indent="0">
-              <a:buNone/>
-              <a:defRPr sz="1800"/>
-            </a:lvl2pPr>
-            <a:lvl3pPr marL="914400" indent="0">
-              <a:buNone/>
-              <a:defRPr sz="1600"/>
-            </a:lvl3pPr>
-            <a:lvl4pPr marL="1371600" indent="0">
-              <a:buNone/>
-              <a:defRPr sz="1400"/>
-            </a:lvl4pPr>
-            <a:lvl5pPr marL="1828800" indent="0">
-              <a:buNone/>
-              <a:defRPr sz="1400"/>
-            </a:lvl5pPr>
-            <a:lvl6pPr marL="2286000" indent="0">
-              <a:buNone/>
-              <a:defRPr sz="1400"/>
-            </a:lvl6pPr>
-            <a:lvl7pPr marL="2743200" indent="0">
-              <a:buNone/>
-              <a:defRPr sz="1400"/>
-            </a:lvl7pPr>
-            <a:lvl8pPr marL="3200400" indent="0">
-              <a:buNone/>
-              <a:defRPr sz="1400"/>
-            </a:lvl8pPr>
-            <a:lvl9pPr marL="3657600" indent="0">
-              <a:buNone/>
-              <a:defRPr sz="1400"/>
-            </a:lvl9pPr>
-          </a:lstStyle>
-          <a:p>
-            <a:pPr lvl="0"/>
-            <a:r>
-              <a:rPr lang="en-US" smtClean="0"/>
-              <a:t>Click to edit Master text styles</a:t>
-            </a:r>
-          </a:p>
-        </p:txBody>
-      </p:sp>
-    </p:spTree>
-  </p:cSld>
-  <p:clrMapOvr>
-    <a:masterClrMapping/>
-  </p:clrMapOvr>
-  <p:transition xmlns:p14="http://schemas.microsoft.com/office/powerpoint/2010/main" spd="slow" advClick="0">
-    <p:fade/>
-  </p:transition>
   <p:timing>
     <p:tnLst>
       <p:par>
@@ -1357,7 +1156,7 @@
 </p:sldLayout>
 </file>
 
-<file path=ppt/slideLayouts/slideLayout4.xml><?xml version="1.0" encoding="utf-8"?>
+<file path=ppt/slideLayouts/slideLayout3.xml><?xml version="1.0" encoding="utf-8"?>
 <p:sldLayout xmlns:a="http://schemas.openxmlformats.org/drawingml/2006/main" xmlns:r="http://schemas.openxmlformats.org/officeDocument/2006/relationships" xmlns:p="http://schemas.openxmlformats.org/presentationml/2006/main" type="titleOnly" preserve="1">
   <p:cSld name="Title Only">
     <p:spTree>
@@ -1415,7 +1214,7 @@
 </p:sldLayout>
 </file>
 
-<file path=ppt/slideLayouts/slideLayout5.xml><?xml version="1.0" encoding="utf-8"?>
+<file path=ppt/slideLayouts/slideLayout4.xml><?xml version="1.0" encoding="utf-8"?>
 <p:sldLayout xmlns:a="http://schemas.openxmlformats.org/drawingml/2006/main" xmlns:r="http://schemas.openxmlformats.org/officeDocument/2006/relationships" xmlns:p="http://schemas.openxmlformats.org/presentationml/2006/main" type="blank" preserve="1">
   <p:cSld name="Blank">
     <p:spTree>
@@ -1559,7 +1358,15 @@
             <a:pPr lvl="0"/>
             <a:r>
               <a:rPr lang="en-US" dirty="0" smtClean="0"/>
-              <a:t>Click to edit Master text styles</a:t>
+              <a:t>Click to </a:t>
+            </a:r>
+            <a:r>
+              <a:rPr lang="en-US" dirty="0" smtClean="0"/>
+              <a:t>edit </a:t>
+            </a:r>
+            <a:r>
+              <a:rPr lang="en-US" dirty="0" smtClean="0"/>
+              <a:t>Master text styles</a:t>
             </a:r>
           </a:p>
         </p:txBody>
@@ -1573,7 +1380,7 @@
           <p:nvPr userDrawn="1"/>
         </p:nvPicPr>
         <p:blipFill>
-          <a:blip r:embed="rId7"/>
+          <a:blip r:embed="rId6"/>
           <a:srcRect/>
           <a:stretch>
             <a:fillRect/>
@@ -1736,7 +1543,7 @@
           <p:nvPr userDrawn="1"/>
         </p:nvPicPr>
         <p:blipFill>
-          <a:blip r:embed="rId8"/>
+          <a:blip r:embed="rId7"/>
           <a:stretch>
             <a:fillRect/>
           </a:stretch>
@@ -1757,9 +1564,8 @@
   <p:sldLayoutIdLst>
     <p:sldLayoutId id="2147483651" r:id="rId1"/>
     <p:sldLayoutId id="2147483652" r:id="rId2"/>
-    <p:sldLayoutId id="2147483653" r:id="rId3"/>
-    <p:sldLayoutId id="2147483656" r:id="rId4"/>
-    <p:sldLayoutId id="2147483657" r:id="rId5"/>
+    <p:sldLayoutId id="2147483656" r:id="rId3"/>
+    <p:sldLayoutId id="2147483657" r:id="rId4"/>
   </p:sldLayoutIdLst>
   <p:transition xmlns:p14="http://schemas.microsoft.com/office/powerpoint/2010/main" spd="slow" advClick="0">
     <p:fade/>
@@ -1912,9 +1718,9 @@
       </a:lvl9pPr>
     </p:titleStyle>
     <p:bodyStyle>
-      <a:lvl1pPr marL="342900" indent="-342900" algn="l" rtl="0" fontAlgn="base">
+      <a:lvl1pPr marL="0" indent="0" algn="l" rtl="0" fontAlgn="base">
         <a:spcBef>
-          <a:spcPct val="20000"/>
+          <a:spcPts val="0"/>
         </a:spcBef>
         <a:spcAft>
           <a:spcPct val="0"/>
@@ -2313,10 +2119,6 @@
               </a:rPr>
               <a:t>alidity is Hard</a:t>
             </a:r>
-            <a:endParaRPr lang="en-US" sz="6000" dirty="0" smtClean="0">
-              <a:latin typeface="Comic Sans MS"/>
-              <a:cs typeface="Comic Sans MS"/>
-            </a:endParaRPr>
           </a:p>
         </p:txBody>
       </p:sp>
@@ -2325,9 +2127,14 @@
   <p:clrMapOvr>
     <a:masterClrMapping/>
   </p:clrMapOvr>
-  <p:transition xmlns:p14="http://schemas.microsoft.com/office/powerpoint/2010/main" spd="slow" advClick="0">
-    <p:fade/>
-  </p:transition>
+  <mc:AlternateContent xmlns:mc="http://schemas.openxmlformats.org/markup-compatibility/2006">
+    <mc:Choice xmlns:p14="http://schemas.microsoft.com/office/powerpoint/2010/main" Requires="p14">
+      <p:transition p14:dur="0" advClick="0"/>
+    </mc:Choice>
+    <mc:Fallback>
+      <p:transition xmlns:p14="http://schemas.microsoft.com/office/powerpoint/2010/main" advClick="0"/>
+    </mc:Fallback>
+  </mc:AlternateContent>
   <p:timing>
     <p:tnLst>
       <p:par>
@@ -2390,8 +2197,8 @@
         </p:nvSpPr>
         <p:spPr>
           <a:xfrm>
-            <a:off x="362853" y="1463525"/>
-            <a:ext cx="8394095" cy="4608285"/>
+            <a:off x="95250" y="1415142"/>
+            <a:ext cx="8951988" cy="4971143"/>
           </a:xfrm>
         </p:spPr>
         <p:txBody>
@@ -2399,110 +2206,148 @@
           <a:lstStyle/>
           <a:p>
             <a:r>
-              <a:rPr lang="en-US" sz="3600" dirty="0" smtClean="0"/>
-              <a:t>This </a:t>
-            </a:r>
-            <a:r>
-              <a:rPr lang="en-US" sz="3600" dirty="0"/>
-              <a:t>is </a:t>
-            </a:r>
-            <a:r>
-              <a:rPr lang="en-US" sz="3600" dirty="0" smtClean="0"/>
-              <a:t>actually a </a:t>
-            </a:r>
-            <a:r>
-              <a:rPr lang="en-US" sz="3600" dirty="0"/>
-              <a:t>basic </a:t>
-            </a:r>
-            <a:r>
-              <a:rPr lang="en-US" sz="3600" dirty="0" smtClean="0"/>
-              <a:t>insight from computability theory, </a:t>
-            </a:r>
-            <a:r>
-              <a:rPr lang="en-US" sz="3600" dirty="0"/>
-              <a:t>which we will look at more carefully in a future </a:t>
-            </a:r>
-            <a:r>
-              <a:rPr lang="en-US" sz="3600" dirty="0" smtClean="0"/>
-              <a:t>lecture</a:t>
-            </a:r>
-            <a:r>
-              <a:rPr lang="en-US" sz="3600" dirty="0"/>
-              <a:t>:</a:t>
-            </a:r>
-            <a:endParaRPr lang="en-US" sz="3600" dirty="0" smtClean="0"/>
-          </a:p>
-          <a:p>
-            <a:r>
-              <a:rPr lang="en-US" dirty="0" smtClean="0">
-                <a:solidFill>
-                  <a:srgbClr val="800000"/>
-                </a:solidFill>
-              </a:rPr>
-              <a:t>Theorem: </a:t>
-            </a:r>
-            <a:r>
-              <a:rPr lang="en-US" sz="3600" dirty="0" smtClean="0">
+              <a:rPr lang="en-US" sz="4000" dirty="0" smtClean="0"/>
+              <a:t>In particular, it is impossible to find a program (in any programming language you choose – say C++), that is capable of </a:t>
+            </a:r>
+            <a:r>
+              <a:rPr lang="en-US" sz="4000" dirty="0" smtClean="0"/>
+              <a:t>analyzing </a:t>
+            </a:r>
+            <a:r>
+              <a:rPr lang="en-US" sz="4000" dirty="0" smtClean="0"/>
+              <a:t>an </a:t>
+            </a:r>
+            <a:r>
+              <a:rPr lang="en-US" sz="4000" dirty="0" smtClean="0">
                 <a:solidFill>
                   <a:srgbClr val="0000FF"/>
                 </a:solidFill>
               </a:rPr>
-              <a:t>The Halting problem for Counter Machines is </a:t>
-            </a:r>
-            <a:r>
-              <a:rPr lang="en-US" sz="3600" dirty="0" err="1" smtClean="0">
-                <a:solidFill>
-                  <a:srgbClr val="FF0000"/>
-                </a:solidFill>
-              </a:rPr>
-              <a:t>undecidable</a:t>
-            </a:r>
-            <a:endParaRPr lang="en-US" sz="3600" dirty="0">
-              <a:solidFill>
-                <a:srgbClr val="0000FF"/>
-              </a:solidFill>
-            </a:endParaRPr>
-          </a:p>
-          <a:p>
-            <a:r>
-              <a:rPr lang="en-US" sz="3600" dirty="0" smtClean="0">
-                <a:solidFill>
-                  <a:srgbClr val="0000FF"/>
-                </a:solidFill>
-              </a:rPr>
-              <a:t>  </a:t>
-            </a:r>
-            <a:r>
-              <a:rPr lang="en-US" sz="3600" dirty="0" smtClean="0"/>
-              <a:t> </a:t>
-            </a:r>
-            <a:r>
-              <a:rPr lang="en-US" sz="3600" dirty="0"/>
-              <a:t>by any computer.</a:t>
-            </a:r>
-            <a:endParaRPr lang="en-US" sz="3600" dirty="0"/>
+              <a:t>arbitrary program</a:t>
+            </a:r>
+            <a:r>
+              <a:rPr lang="en-US" sz="4000" dirty="0" smtClean="0"/>
+              <a:t>, not even to figure out </a:t>
+            </a:r>
+            <a:r>
+              <a:rPr lang="en-US" sz="4000" dirty="0" smtClean="0"/>
+              <a:t>if the </a:t>
+            </a:r>
+            <a:r>
+              <a:rPr lang="en-US" sz="4000" dirty="0" smtClean="0"/>
+              <a:t>program will eventually respond after it starts executing.</a:t>
+            </a:r>
+            <a:endParaRPr lang="en-US" sz="4000" dirty="0"/>
           </a:p>
         </p:txBody>
       </p:sp>
     </p:spTree>
     <p:extLst>
       <p:ext uri="{BB962C8B-B14F-4D97-AF65-F5344CB8AC3E}">
-        <p14:creationId xmlns:p14="http://schemas.microsoft.com/office/powerpoint/2010/main" val="3107600915"/>
+        <p14:creationId xmlns:p14="http://schemas.microsoft.com/office/powerpoint/2010/main" val="2981088689"/>
       </p:ext>
     </p:extLst>
   </p:cSld>
   <p:clrMapOvr>
     <a:masterClrMapping/>
   </p:clrMapOvr>
-  <p:transition xmlns:p14="http://schemas.microsoft.com/office/powerpoint/2010/main" spd="slow" advClick="0">
-    <p:fade/>
-  </p:transition>
+  <mc:AlternateContent xmlns:mc="http://schemas.openxmlformats.org/markup-compatibility/2006">
+    <mc:Choice xmlns:p14="http://schemas.microsoft.com/office/powerpoint/2010/main" Requires="p14">
+      <p:transition spd="med" p14:dur="700" advClick="0">
+        <p:fade/>
+      </p:transition>
+    </mc:Choice>
+    <mc:Fallback>
+      <p:transition xmlns:p14="http://schemas.microsoft.com/office/powerpoint/2010/main" spd="med" advClick="0">
+        <p:fade/>
+      </p:transition>
+    </mc:Fallback>
+  </mc:AlternateContent>
   <p:timing>
     <p:tnLst>
       <p:par>
-        <p:cTn xmlns:p14="http://schemas.microsoft.com/office/powerpoint/2010/main" id="1" dur="indefinite" restart="never" nodeType="tmRoot"/>
+        <p:cTn xmlns:p14="http://schemas.microsoft.com/office/powerpoint/2010/main" id="1" dur="indefinite" restart="never" nodeType="tmRoot">
+          <p:childTnLst>
+            <p:seq concurrent="1" nextAc="seek">
+              <p:cTn id="2" dur="indefinite" nodeType="mainSeq">
+                <p:childTnLst>
+                  <p:par>
+                    <p:cTn id="3" fill="hold">
+                      <p:stCondLst>
+                        <p:cond delay="indefinite"/>
+                      </p:stCondLst>
+                      <p:childTnLst>
+                        <p:par>
+                          <p:cTn id="4" fill="hold">
+                            <p:stCondLst>
+                              <p:cond delay="0"/>
+                            </p:stCondLst>
+                            <p:childTnLst>
+                              <p:par>
+                                <p:cTn id="5" presetID="10" presetClass="entr" presetSubtype="0" fill="hold" grpId="0" nodeType="clickEffect">
+                                  <p:stCondLst>
+                                    <p:cond delay="0"/>
+                                  </p:stCondLst>
+                                  <p:childTnLst>
+                                    <p:set>
+                                      <p:cBhvr>
+                                        <p:cTn id="6" dur="1" fill="hold">
+                                          <p:stCondLst>
+                                            <p:cond delay="0"/>
+                                          </p:stCondLst>
+                                        </p:cTn>
+                                        <p:tgtEl>
+                                          <p:spTgt spid="2"/>
+                                        </p:tgtEl>
+                                        <p:attrNameLst>
+                                          <p:attrName>style.visibility</p:attrName>
+                                        </p:attrNameLst>
+                                      </p:cBhvr>
+                                      <p:to>
+                                        <p:strVal val="visible"/>
+                                      </p:to>
+                                    </p:set>
+                                    <p:animEffect transition="in" filter="fade">
+                                      <p:cBhvr>
+                                        <p:cTn id="7" dur="500"/>
+                                        <p:tgtEl>
+                                          <p:spTgt spid="2"/>
+                                        </p:tgtEl>
+                                      </p:cBhvr>
+                                    </p:animEffect>
+                                  </p:childTnLst>
+                                </p:cTn>
+                              </p:par>
+                            </p:childTnLst>
+                          </p:cTn>
+                        </p:par>
+                      </p:childTnLst>
+                    </p:cTn>
+                  </p:par>
+                </p:childTnLst>
+              </p:cTn>
+              <p:prevCondLst>
+                <p:cond evt="onPrev" delay="0">
+                  <p:tgtEl>
+                    <p:sldTgt/>
+                  </p:tgtEl>
+                </p:cond>
+              </p:prevCondLst>
+              <p:nextCondLst>
+                <p:cond evt="onNext" delay="0">
+                  <p:tgtEl>
+                    <p:sldTgt/>
+                  </p:tgtEl>
+                </p:cond>
+              </p:nextCondLst>
+            </p:seq>
+          </p:childTnLst>
+        </p:cTn>
       </p:par>
     </p:tnLst>
+    <p:bldLst>
+      <p:bldP spid="2" grpId="0"/>
+    </p:bldLst>
   </p:timing>
 </p:sld>
 </file>
@@ -2559,6 +2404,368 @@
         </p:nvSpPr>
         <p:spPr>
           <a:xfrm>
+            <a:off x="157238" y="1422401"/>
+            <a:ext cx="8986762" cy="4951790"/>
+          </a:xfrm>
+        </p:spPr>
+        <p:txBody>
+          <a:bodyPr/>
+          <a:lstStyle/>
+          <a:p>
+            <a:r>
+              <a:rPr lang="en-US" sz="4000" dirty="0" smtClean="0"/>
+              <a:t>Since </a:t>
+            </a:r>
+            <a:r>
+              <a:rPr lang="en-US" sz="4000" dirty="0" smtClean="0"/>
+              <a:t>Counter Machines can simulate general register </a:t>
+            </a:r>
+            <a:r>
+              <a:rPr lang="en-US" sz="4000" dirty="0" smtClean="0"/>
+              <a:t>machines</a:t>
+            </a:r>
+            <a:endParaRPr lang="en-US" sz="4000" dirty="0"/>
+          </a:p>
+        </p:txBody>
+      </p:sp>
+    </p:spTree>
+    <p:extLst>
+      <p:ext uri="{BB962C8B-B14F-4D97-AF65-F5344CB8AC3E}">
+        <p14:creationId xmlns:p14="http://schemas.microsoft.com/office/powerpoint/2010/main" val="1320962056"/>
+      </p:ext>
+    </p:extLst>
+  </p:cSld>
+  <p:clrMapOvr>
+    <a:masterClrMapping/>
+  </p:clrMapOvr>
+  <p:transition xmlns:p14="http://schemas.microsoft.com/office/powerpoint/2010/main" spd="slow" advClick="0">
+    <p:fade/>
+  </p:transition>
+  <p:timing>
+    <p:tnLst>
+      <p:par>
+        <p:cTn xmlns:p14="http://schemas.microsoft.com/office/powerpoint/2010/main" id="1" dur="indefinite" restart="never" nodeType="tmRoot"/>
+      </p:par>
+    </p:tnLst>
+  </p:timing>
+</p:sld>
+</file>
+
+<file path=ppt/slides/slide12.xml><?xml version="1.0" encoding="utf-8"?>
+<p:sld xmlns:a="http://schemas.openxmlformats.org/drawingml/2006/main" xmlns:r="http://schemas.openxmlformats.org/officeDocument/2006/relationships" xmlns:p="http://schemas.openxmlformats.org/presentationml/2006/main">
+  <p:cSld>
+    <p:spTree>
+      <p:nvGrpSpPr>
+        <p:cNvPr id="1" name=""/>
+        <p:cNvGrpSpPr/>
+        <p:nvPr/>
+      </p:nvGrpSpPr>
+      <p:grpSpPr>
+        <a:xfrm>
+          <a:off x="0" y="0"/>
+          <a:ext cx="0" cy="0"/>
+          <a:chOff x="0" y="0"/>
+          <a:chExt cx="0" cy="0"/>
+        </a:xfrm>
+      </p:grpSpPr>
+      <p:sp>
+        <p:nvSpPr>
+          <p:cNvPr id="2" name="Title 1"/>
+          <p:cNvSpPr>
+            <a:spLocks noGrp="1"/>
+          </p:cNvSpPr>
+          <p:nvPr>
+            <p:ph type="title"/>
+          </p:nvPr>
+        </p:nvSpPr>
+        <p:spPr/>
+        <p:txBody>
+          <a:bodyPr/>
+          <a:lstStyle/>
+          <a:p>
+            <a:r>
+              <a:rPr lang="en-US" sz="4000" dirty="0" smtClean="0"/>
+              <a:t>The Halting Problem</a:t>
+            </a:r>
+            <a:endParaRPr lang="en-US" sz="4000" dirty="0"/>
+          </a:p>
+        </p:txBody>
+      </p:sp>
+      <p:sp>
+        <p:nvSpPr>
+          <p:cNvPr id="3" name="Content Placeholder 2"/>
+          <p:cNvSpPr>
+            <a:spLocks noGrp="1"/>
+          </p:cNvSpPr>
+          <p:nvPr>
+            <p:ph idx="1"/>
+          </p:nvPr>
+        </p:nvSpPr>
+        <p:spPr>
+          <a:xfrm>
+            <a:off x="157238" y="1422401"/>
+            <a:ext cx="8986762" cy="4951790"/>
+          </a:xfrm>
+        </p:spPr>
+        <p:txBody>
+          <a:bodyPr/>
+          <a:lstStyle/>
+          <a:p>
+            <a:r>
+              <a:rPr lang="en-US" sz="4000" dirty="0" smtClean="0"/>
+              <a:t>Since </a:t>
+            </a:r>
+            <a:r>
+              <a:rPr lang="en-US" sz="4000" dirty="0" smtClean="0"/>
+              <a:t>Counter Machines can simulate general register </a:t>
+            </a:r>
+            <a:r>
+              <a:rPr lang="en-US" sz="4000" dirty="0" smtClean="0"/>
+              <a:t>machines, and </a:t>
+            </a:r>
+            <a:r>
+              <a:rPr lang="en-US" sz="4000" dirty="0" smtClean="0"/>
+              <a:t>c</a:t>
+            </a:r>
+            <a:r>
+              <a:rPr lang="en-US" sz="4000" dirty="0" smtClean="0"/>
+              <a:t>ompilers </a:t>
+            </a:r>
+            <a:r>
+              <a:rPr lang="en-US" sz="4000" dirty="0" smtClean="0"/>
+              <a:t>translate arbitrary programs into register </a:t>
+            </a:r>
+            <a:r>
+              <a:rPr lang="en-US" sz="4000" dirty="0" smtClean="0"/>
+              <a:t>machine code</a:t>
+            </a:r>
+            <a:endParaRPr lang="en-US" sz="4000" dirty="0"/>
+          </a:p>
+        </p:txBody>
+      </p:sp>
+    </p:spTree>
+    <p:extLst>
+      <p:ext uri="{BB962C8B-B14F-4D97-AF65-F5344CB8AC3E}">
+        <p14:creationId xmlns:p14="http://schemas.microsoft.com/office/powerpoint/2010/main" val="660053558"/>
+      </p:ext>
+    </p:extLst>
+  </p:cSld>
+  <p:clrMapOvr>
+    <a:masterClrMapping/>
+  </p:clrMapOvr>
+  <p:transition xmlns:p14="http://schemas.microsoft.com/office/powerpoint/2010/main" spd="slow" advClick="0">
+    <p:fade/>
+  </p:transition>
+  <p:timing>
+    <p:tnLst>
+      <p:par>
+        <p:cTn xmlns:p14="http://schemas.microsoft.com/office/powerpoint/2010/main" id="1" dur="indefinite" restart="never" nodeType="tmRoot"/>
+      </p:par>
+    </p:tnLst>
+  </p:timing>
+</p:sld>
+</file>
+
+<file path=ppt/slides/slide13.xml><?xml version="1.0" encoding="utf-8"?>
+<p:sld xmlns:a="http://schemas.openxmlformats.org/drawingml/2006/main" xmlns:r="http://schemas.openxmlformats.org/officeDocument/2006/relationships" xmlns:p="http://schemas.openxmlformats.org/presentationml/2006/main">
+  <p:cSld>
+    <p:spTree>
+      <p:nvGrpSpPr>
+        <p:cNvPr id="1" name=""/>
+        <p:cNvGrpSpPr/>
+        <p:nvPr/>
+      </p:nvGrpSpPr>
+      <p:grpSpPr>
+        <a:xfrm>
+          <a:off x="0" y="0"/>
+          <a:ext cx="0" cy="0"/>
+          <a:chOff x="0" y="0"/>
+          <a:chExt cx="0" cy="0"/>
+        </a:xfrm>
+      </p:grpSpPr>
+      <p:sp>
+        <p:nvSpPr>
+          <p:cNvPr id="2" name="Title 1"/>
+          <p:cNvSpPr>
+            <a:spLocks noGrp="1"/>
+          </p:cNvSpPr>
+          <p:nvPr>
+            <p:ph type="title"/>
+          </p:nvPr>
+        </p:nvSpPr>
+        <p:spPr/>
+        <p:txBody>
+          <a:bodyPr/>
+          <a:lstStyle/>
+          <a:p>
+            <a:r>
+              <a:rPr lang="en-US" sz="4000" dirty="0" smtClean="0"/>
+              <a:t>The Halting Problem</a:t>
+            </a:r>
+            <a:endParaRPr lang="en-US" sz="4000" dirty="0"/>
+          </a:p>
+        </p:txBody>
+      </p:sp>
+      <p:sp>
+        <p:nvSpPr>
+          <p:cNvPr id="3" name="Content Placeholder 2"/>
+          <p:cNvSpPr>
+            <a:spLocks noGrp="1"/>
+          </p:cNvSpPr>
+          <p:nvPr>
+            <p:ph idx="1"/>
+          </p:nvPr>
+        </p:nvSpPr>
+        <p:spPr>
+          <a:xfrm>
+            <a:off x="157238" y="1422401"/>
+            <a:ext cx="8986762" cy="4951790"/>
+          </a:xfrm>
+        </p:spPr>
+        <p:txBody>
+          <a:bodyPr/>
+          <a:lstStyle/>
+          <a:p>
+            <a:r>
+              <a:rPr lang="en-US" sz="4000" dirty="0" smtClean="0"/>
+              <a:t>Since </a:t>
+            </a:r>
+            <a:r>
+              <a:rPr lang="en-US" sz="4000" dirty="0" smtClean="0"/>
+              <a:t>Counter Machines can simulate general register </a:t>
+            </a:r>
+            <a:r>
+              <a:rPr lang="en-US" sz="4000" dirty="0" smtClean="0"/>
+              <a:t>machines, and </a:t>
+            </a:r>
+            <a:r>
+              <a:rPr lang="en-US" sz="4000" dirty="0" smtClean="0"/>
+              <a:t>c</a:t>
+            </a:r>
+            <a:r>
+              <a:rPr lang="en-US" sz="4000" dirty="0" smtClean="0"/>
+              <a:t>ompilers </a:t>
+            </a:r>
+            <a:r>
+              <a:rPr lang="en-US" sz="4000" dirty="0" smtClean="0"/>
+              <a:t>translate arbitrary programs into register </a:t>
+            </a:r>
+            <a:r>
+              <a:rPr lang="en-US" sz="4000" dirty="0" smtClean="0"/>
+              <a:t>machine code, it must also be </a:t>
+            </a:r>
+            <a:r>
+              <a:rPr lang="en-US" sz="4000" dirty="0" smtClean="0">
+                <a:solidFill>
+                  <a:srgbClr val="0000FF"/>
+                </a:solidFill>
+              </a:rPr>
+              <a:t>impossible </a:t>
+            </a:r>
+            <a:r>
+              <a:rPr lang="en-US" sz="4000" dirty="0" smtClean="0">
+                <a:solidFill>
+                  <a:srgbClr val="0000FF"/>
+                </a:solidFill>
+              </a:rPr>
+              <a:t>to decide</a:t>
+            </a:r>
+            <a:r>
+              <a:rPr lang="en-US" sz="4000" dirty="0" smtClean="0"/>
+              <a:t> if an arbitrary Counter Machine will </a:t>
+            </a:r>
+            <a:r>
+              <a:rPr lang="en-US" sz="4000" dirty="0" smtClean="0"/>
+              <a:t>halt.</a:t>
+            </a:r>
+            <a:endParaRPr lang="en-US" sz="4000" dirty="0"/>
+          </a:p>
+        </p:txBody>
+      </p:sp>
+    </p:spTree>
+    <p:extLst>
+      <p:ext uri="{BB962C8B-B14F-4D97-AF65-F5344CB8AC3E}">
+        <p14:creationId xmlns:p14="http://schemas.microsoft.com/office/powerpoint/2010/main" val="2996862504"/>
+      </p:ext>
+    </p:extLst>
+  </p:cSld>
+  <p:clrMapOvr>
+    <a:masterClrMapping/>
+  </p:clrMapOvr>
+  <mc:AlternateContent xmlns:mc="http://schemas.openxmlformats.org/markup-compatibility/2006">
+    <mc:Choice xmlns:p14="http://schemas.microsoft.com/office/powerpoint/2010/main" Requires="p14">
+      <p:transition spd="med" p14:dur="700" advClick="0">
+        <p:fade/>
+      </p:transition>
+    </mc:Choice>
+    <mc:Fallback>
+      <p:transition xmlns:p14="http://schemas.microsoft.com/office/powerpoint/2010/main" spd="med" advClick="0">
+        <p:fade/>
+      </p:transition>
+    </mc:Fallback>
+  </mc:AlternateContent>
+  <p:timing>
+    <p:tnLst>
+      <p:par>
+        <p:cTn xmlns:p14="http://schemas.microsoft.com/office/powerpoint/2010/main" id="1" dur="indefinite" restart="never" nodeType="tmRoot"/>
+      </p:par>
+    </p:tnLst>
+  </p:timing>
+</p:sld>
+</file>
+
+<file path=ppt/slides/slide14.xml><?xml version="1.0" encoding="utf-8"?>
+<p:sld xmlns:a="http://schemas.openxmlformats.org/drawingml/2006/main" xmlns:r="http://schemas.openxmlformats.org/officeDocument/2006/relationships" xmlns:p="http://schemas.openxmlformats.org/presentationml/2006/main">
+  <p:cSld>
+    <p:spTree>
+      <p:nvGrpSpPr>
+        <p:cNvPr id="1" name=""/>
+        <p:cNvGrpSpPr/>
+        <p:nvPr/>
+      </p:nvGrpSpPr>
+      <p:grpSpPr>
+        <a:xfrm>
+          <a:off x="0" y="0"/>
+          <a:ext cx="0" cy="0"/>
+          <a:chOff x="0" y="0"/>
+          <a:chExt cx="0" cy="0"/>
+        </a:xfrm>
+      </p:grpSpPr>
+      <p:sp>
+        <p:nvSpPr>
+          <p:cNvPr id="2" name="Title 1"/>
+          <p:cNvSpPr>
+            <a:spLocks noGrp="1"/>
+          </p:cNvSpPr>
+          <p:nvPr>
+            <p:ph type="title"/>
+          </p:nvPr>
+        </p:nvSpPr>
+        <p:spPr/>
+        <p:txBody>
+          <a:bodyPr/>
+          <a:lstStyle/>
+          <a:p>
+            <a:r>
+              <a:rPr lang="en-US" sz="4000" dirty="0" smtClean="0"/>
+              <a:t>The Halting Problem</a:t>
+            </a:r>
+            <a:endParaRPr lang="en-US" sz="4000" dirty="0"/>
+          </a:p>
+        </p:txBody>
+      </p:sp>
+      <p:sp>
+        <p:nvSpPr>
+          <p:cNvPr id="3" name="Content Placeholder 2"/>
+          <p:cNvSpPr>
+            <a:spLocks noGrp="1"/>
+          </p:cNvSpPr>
+          <p:nvPr>
+            <p:ph idx="1"/>
+          </p:nvPr>
+        </p:nvSpPr>
+        <p:spPr>
+          <a:xfrm>
             <a:off x="362853" y="1463525"/>
             <a:ext cx="8394095" cy="4608285"/>
           </a:xfrm>
@@ -2568,19 +2775,368 @@
           <a:lstStyle/>
           <a:p>
             <a:r>
-              <a:rPr lang="en-US" sz="3600" dirty="0" smtClean="0"/>
-              <a:t>So if we could decide the validity of formulas of the form of </a:t>
-            </a:r>
-            <a:r>
-              <a:rPr lang="en-US" sz="3600" dirty="0" err="1" smtClean="0">
+              <a:rPr lang="en-US" sz="4000" dirty="0" smtClean="0"/>
+              <a:t>A </a:t>
+            </a:r>
+            <a:r>
+              <a:rPr lang="en-US" sz="4000" dirty="0"/>
+              <a:t>basic </a:t>
+            </a:r>
+            <a:r>
+              <a:rPr lang="en-US" sz="4000" dirty="0" smtClean="0"/>
+              <a:t>insight from computability </a:t>
+            </a:r>
+            <a:r>
+              <a:rPr lang="en-US" sz="4000" dirty="0" smtClean="0"/>
+              <a:t>theory (covered </a:t>
+            </a:r>
+            <a:r>
+              <a:rPr lang="en-US" sz="4000" dirty="0"/>
+              <a:t>in a future </a:t>
+            </a:r>
+            <a:r>
+              <a:rPr lang="en-US" sz="4000" dirty="0" smtClean="0"/>
+              <a:t>lecture):</a:t>
+            </a:r>
+            <a:endParaRPr lang="en-US" sz="4000" dirty="0" smtClean="0"/>
+          </a:p>
+          <a:p>
+            <a:r>
+              <a:rPr lang="en-US" sz="4000" dirty="0" smtClean="0">
+                <a:solidFill>
+                  <a:srgbClr val="800000"/>
+                </a:solidFill>
+              </a:rPr>
+              <a:t>Theorem: </a:t>
+            </a:r>
+            <a:r>
+              <a:rPr lang="en-US" sz="4000" dirty="0" smtClean="0">
                 <a:solidFill>
                   <a:srgbClr val="0000FF"/>
                 </a:solidFill>
               </a:rPr>
+              <a:t>The Halting problem </a:t>
+            </a:r>
+            <a:r>
+              <a:rPr lang="en-US" sz="4000" dirty="0" smtClean="0"/>
+              <a:t>for </a:t>
+            </a:r>
+            <a:r>
+              <a:rPr lang="en-US" sz="4000" dirty="0" smtClean="0">
+                <a:solidFill>
+                  <a:srgbClr val="0000FF"/>
+                </a:solidFill>
+              </a:rPr>
+              <a:t>Counter Machines </a:t>
+            </a:r>
+            <a:r>
+              <a:rPr lang="en-US" sz="4000" dirty="0" smtClean="0">
+                <a:solidFill>
+                  <a:srgbClr val="000000"/>
+                </a:solidFill>
+              </a:rPr>
+              <a:t>is</a:t>
+            </a:r>
+            <a:r>
+              <a:rPr lang="en-US" sz="4000" dirty="0" smtClean="0">
+                <a:solidFill>
+                  <a:srgbClr val="0000FF"/>
+                </a:solidFill>
+              </a:rPr>
+              <a:t> </a:t>
+            </a:r>
+            <a:r>
+              <a:rPr lang="en-US" sz="4000" dirty="0" smtClean="0">
+                <a:solidFill>
+                  <a:srgbClr val="FF0000"/>
+                </a:solidFill>
+              </a:rPr>
+              <a:t>not decidable</a:t>
+            </a:r>
+            <a:endParaRPr lang="en-US" sz="4000" dirty="0">
+              <a:solidFill>
+                <a:srgbClr val="0000FF"/>
+              </a:solidFill>
+            </a:endParaRPr>
+          </a:p>
+          <a:p>
+            <a:r>
+              <a:rPr lang="en-US" sz="4000" dirty="0">
+                <a:solidFill>
+                  <a:srgbClr val="0000FF"/>
+                </a:solidFill>
+              </a:rPr>
+              <a:t> </a:t>
+            </a:r>
+            <a:r>
+              <a:rPr lang="en-US" sz="4000" dirty="0" smtClean="0">
+                <a:solidFill>
+                  <a:srgbClr val="0000FF"/>
+                </a:solidFill>
+              </a:rPr>
+              <a:t>             </a:t>
+            </a:r>
+            <a:r>
+              <a:rPr lang="en-US" sz="4000" dirty="0" smtClean="0"/>
+              <a:t>by </a:t>
+            </a:r>
+            <a:r>
+              <a:rPr lang="en-US" sz="4000" dirty="0"/>
+              <a:t>any </a:t>
+            </a:r>
+            <a:r>
+              <a:rPr lang="en-US" sz="4000" dirty="0" smtClean="0"/>
+              <a:t>progr</a:t>
+            </a:r>
+            <a:r>
+              <a:rPr lang="en-US" sz="4000" dirty="0" smtClean="0"/>
+              <a:t>am</a:t>
+            </a:r>
+            <a:r>
+              <a:rPr lang="en-US" sz="4000" dirty="0" smtClean="0"/>
+              <a:t>.</a:t>
+            </a:r>
+            <a:endParaRPr lang="en-US" sz="4000" dirty="0"/>
+          </a:p>
+        </p:txBody>
+      </p:sp>
+    </p:spTree>
+    <p:extLst>
+      <p:ext uri="{BB962C8B-B14F-4D97-AF65-F5344CB8AC3E}">
+        <p14:creationId xmlns:p14="http://schemas.microsoft.com/office/powerpoint/2010/main" val="3107600915"/>
+      </p:ext>
+    </p:extLst>
+  </p:cSld>
+  <p:clrMapOvr>
+    <a:masterClrMapping/>
+  </p:clrMapOvr>
+  <p:transition xmlns:p14="http://schemas.microsoft.com/office/powerpoint/2010/main" spd="slow" advClick="0">
+    <p:fade/>
+  </p:transition>
+  <p:timing>
+    <p:tnLst>
+      <p:par>
+        <p:cTn xmlns:p14="http://schemas.microsoft.com/office/powerpoint/2010/main" id="1" dur="indefinite" restart="never" nodeType="tmRoot">
+          <p:childTnLst>
+            <p:seq concurrent="1" nextAc="seek">
+              <p:cTn id="2" dur="indefinite" nodeType="mainSeq">
+                <p:childTnLst>
+                  <p:par>
+                    <p:cTn id="3" fill="hold">
+                      <p:stCondLst>
+                        <p:cond delay="indefinite"/>
+                      </p:stCondLst>
+                      <p:childTnLst>
+                        <p:par>
+                          <p:cTn id="4" fill="hold">
+                            <p:stCondLst>
+                              <p:cond delay="0"/>
+                            </p:stCondLst>
+                            <p:childTnLst>
+                              <p:par>
+                                <p:cTn id="5" presetID="10" presetClass="entr" presetSubtype="0" fill="hold" nodeType="clickEffect">
+                                  <p:stCondLst>
+                                    <p:cond delay="0"/>
+                                  </p:stCondLst>
+                                  <p:childTnLst>
+                                    <p:set>
+                                      <p:cBhvr>
+                                        <p:cTn id="6" dur="1" fill="hold">
+                                          <p:stCondLst>
+                                            <p:cond delay="0"/>
+                                          </p:stCondLst>
+                                        </p:cTn>
+                                        <p:tgtEl>
+                                          <p:spTgt spid="3">
+                                            <p:txEl>
+                                              <p:pRg st="1" end="1"/>
+                                            </p:txEl>
+                                          </p:spTgt>
+                                        </p:tgtEl>
+                                        <p:attrNameLst>
+                                          <p:attrName>style.visibility</p:attrName>
+                                        </p:attrNameLst>
+                                      </p:cBhvr>
+                                      <p:to>
+                                        <p:strVal val="visible"/>
+                                      </p:to>
+                                    </p:set>
+                                    <p:animEffect transition="in" filter="fade">
+                                      <p:cBhvr>
+                                        <p:cTn id="7" dur="500"/>
+                                        <p:tgtEl>
+                                          <p:spTgt spid="3">
+                                            <p:txEl>
+                                              <p:pRg st="1" end="1"/>
+                                            </p:txEl>
+                                          </p:spTgt>
+                                        </p:tgtEl>
+                                      </p:cBhvr>
+                                    </p:animEffect>
+                                  </p:childTnLst>
+                                </p:cTn>
+                              </p:par>
+                            </p:childTnLst>
+                          </p:cTn>
+                        </p:par>
+                        <p:par>
+                          <p:cTn id="8" fill="hold">
+                            <p:stCondLst>
+                              <p:cond delay="500"/>
+                            </p:stCondLst>
+                            <p:childTnLst>
+                              <p:par>
+                                <p:cTn id="9" presetID="10" presetClass="entr" presetSubtype="0" fill="hold" nodeType="afterEffect">
+                                  <p:stCondLst>
+                                    <p:cond delay="0"/>
+                                  </p:stCondLst>
+                                  <p:childTnLst>
+                                    <p:set>
+                                      <p:cBhvr>
+                                        <p:cTn id="10" dur="1" fill="hold">
+                                          <p:stCondLst>
+                                            <p:cond delay="0"/>
+                                          </p:stCondLst>
+                                        </p:cTn>
+                                        <p:tgtEl>
+                                          <p:spTgt spid="3">
+                                            <p:txEl>
+                                              <p:pRg st="2" end="2"/>
+                                            </p:txEl>
+                                          </p:spTgt>
+                                        </p:tgtEl>
+                                        <p:attrNameLst>
+                                          <p:attrName>style.visibility</p:attrName>
+                                        </p:attrNameLst>
+                                      </p:cBhvr>
+                                      <p:to>
+                                        <p:strVal val="visible"/>
+                                      </p:to>
+                                    </p:set>
+                                    <p:animEffect transition="in" filter="fade">
+                                      <p:cBhvr>
+                                        <p:cTn id="11" dur="500"/>
+                                        <p:tgtEl>
+                                          <p:spTgt spid="3">
+                                            <p:txEl>
+                                              <p:pRg st="2" end="2"/>
+                                            </p:txEl>
+                                          </p:spTgt>
+                                        </p:tgtEl>
+                                      </p:cBhvr>
+                                    </p:animEffect>
+                                  </p:childTnLst>
+                                </p:cTn>
+                              </p:par>
+                            </p:childTnLst>
+                          </p:cTn>
+                        </p:par>
+                      </p:childTnLst>
+                    </p:cTn>
+                  </p:par>
+                </p:childTnLst>
+              </p:cTn>
+              <p:prevCondLst>
+                <p:cond evt="onPrev" delay="0">
+                  <p:tgtEl>
+                    <p:sldTgt/>
+                  </p:tgtEl>
+                </p:cond>
+              </p:prevCondLst>
+              <p:nextCondLst>
+                <p:cond evt="onNext" delay="0">
+                  <p:tgtEl>
+                    <p:sldTgt/>
+                  </p:tgtEl>
+                </p:cond>
+              </p:nextCondLst>
+            </p:seq>
+          </p:childTnLst>
+        </p:cTn>
+      </p:par>
+    </p:tnLst>
+  </p:timing>
+</p:sld>
+</file>
+
+<file path=ppt/slides/slide15.xml><?xml version="1.0" encoding="utf-8"?>
+<p:sld xmlns:a="http://schemas.openxmlformats.org/drawingml/2006/main" xmlns:r="http://schemas.openxmlformats.org/officeDocument/2006/relationships" xmlns:p="http://schemas.openxmlformats.org/presentationml/2006/main">
+  <p:cSld>
+    <p:spTree>
+      <p:nvGrpSpPr>
+        <p:cNvPr id="1" name=""/>
+        <p:cNvGrpSpPr/>
+        <p:nvPr/>
+      </p:nvGrpSpPr>
+      <p:grpSpPr>
+        <a:xfrm>
+          <a:off x="0" y="0"/>
+          <a:ext cx="0" cy="0"/>
+          <a:chOff x="0" y="0"/>
+          <a:chExt cx="0" cy="0"/>
+        </a:xfrm>
+      </p:grpSpPr>
+      <p:sp>
+        <p:nvSpPr>
+          <p:cNvPr id="2" name="Title 1"/>
+          <p:cNvSpPr>
+            <a:spLocks noGrp="1"/>
+          </p:cNvSpPr>
+          <p:nvPr>
+            <p:ph type="title"/>
+          </p:nvPr>
+        </p:nvSpPr>
+        <p:spPr/>
+        <p:txBody>
+          <a:bodyPr/>
+          <a:lstStyle/>
+          <a:p>
+            <a:r>
+              <a:rPr lang="en-US" sz="4000" dirty="0" smtClean="0"/>
+              <a:t>The Halting Problem</a:t>
+            </a:r>
+            <a:endParaRPr lang="en-US" sz="4000" dirty="0"/>
+          </a:p>
+        </p:txBody>
+      </p:sp>
+      <p:sp>
+        <p:nvSpPr>
+          <p:cNvPr id="3" name="Content Placeholder 2"/>
+          <p:cNvSpPr>
+            <a:spLocks noGrp="1"/>
+          </p:cNvSpPr>
+          <p:nvPr>
+            <p:ph idx="1"/>
+          </p:nvPr>
+        </p:nvSpPr>
+        <p:spPr>
+          <a:xfrm>
+            <a:off x="362853" y="1463525"/>
+            <a:ext cx="8394095" cy="4608285"/>
+          </a:xfrm>
+        </p:spPr>
+        <p:txBody>
+          <a:bodyPr/>
+          <a:lstStyle/>
+          <a:p>
+            <a:r>
+              <a:rPr lang="en-US" sz="4000" dirty="0" smtClean="0"/>
+              <a:t>Now </a:t>
+            </a:r>
+            <a:r>
+              <a:rPr lang="en-US" sz="4000" dirty="0" smtClean="0"/>
+              <a:t>if we could decide the validity of </a:t>
+            </a:r>
+            <a:r>
+              <a:rPr lang="en-US" sz="4000" dirty="0" err="1" smtClean="0">
+                <a:solidFill>
+                  <a:srgbClr val="0000FF"/>
+                </a:solidFill>
+              </a:rPr>
               <a:t>F</a:t>
             </a:r>
             <a:r>
-              <a:rPr lang="en-US" sz="3600" baseline="-25000" dirty="0" err="1" smtClean="0">
+              <a:rPr lang="en-US" sz="4000" baseline="-25000" dirty="0" err="1" smtClean="0">
                 <a:solidFill>
                   <a:srgbClr val="0000FF"/>
                 </a:solidFill>
@@ -2590,28 +3146,63 @@
               <a:t>p</a:t>
             </a:r>
             <a:r>
-              <a:rPr lang="en-US" sz="3600" dirty="0" smtClean="0">
+              <a:rPr lang="en-US" sz="4000" dirty="0" smtClean="0">
+                <a:solidFill>
+                  <a:srgbClr val="0000FF"/>
+                </a:solidFill>
+                <a:latin typeface="Lucida Blackletter"/>
+                <a:cs typeface="Lucida Blackletter"/>
+              </a:rPr>
+              <a:t> </a:t>
+            </a:r>
+            <a:r>
+              <a:rPr lang="en-US" sz="4000" dirty="0" smtClean="0"/>
+              <a:t>formulas,</a:t>
+            </a:r>
+            <a:r>
+              <a:rPr lang="en-US" sz="4000" dirty="0" smtClean="0">
                 <a:latin typeface="Comic Sans MS"/>
                 <a:cs typeface="Comic Sans MS"/>
               </a:rPr>
-              <a:t>, we</a:t>
-            </a:r>
-            <a:r>
-              <a:rPr lang="en-US" sz="3600" dirty="0" smtClean="0">
+              <a:t> </a:t>
+            </a:r>
+            <a:r>
+              <a:rPr lang="en-US" sz="4000" dirty="0" smtClean="0">
+                <a:latin typeface="Comic Sans MS"/>
+                <a:cs typeface="Comic Sans MS"/>
+              </a:rPr>
+              <a:t>we</a:t>
+            </a:r>
+            <a:r>
+              <a:rPr lang="en-US" sz="4000" dirty="0" smtClean="0">
                 <a:latin typeface="Lucida Blackletter"/>
                 <a:cs typeface="Lucida Blackletter"/>
               </a:rPr>
               <a:t> </a:t>
             </a:r>
             <a:r>
-              <a:rPr lang="en-US" sz="3600" dirty="0" smtClean="0">
+              <a:rPr lang="en-US" sz="4000" dirty="0" smtClean="0">
                 <a:latin typeface="Comic Sans MS"/>
                 <a:cs typeface="Comic Sans MS"/>
               </a:rPr>
-              <a:t>could determine whether </a:t>
-            </a:r>
-            <a:r>
-              <a:rPr lang="en-US" sz="3600" dirty="0" smtClean="0">
+              <a:t>could </a:t>
+            </a:r>
+            <a:r>
+              <a:rPr lang="en-US" sz="4000" dirty="0" smtClean="0">
+                <a:latin typeface="Comic Sans MS"/>
+                <a:cs typeface="Comic Sans MS"/>
+              </a:rPr>
+              <a:t>decide </a:t>
+            </a:r>
+            <a:r>
+              <a:rPr lang="en-US" sz="4000" dirty="0" smtClean="0">
+                <a:latin typeface="Comic Sans MS"/>
+                <a:cs typeface="Comic Sans MS"/>
+              </a:rPr>
+              <a:t>whether </a:t>
+            </a:r>
+            <a:r>
+              <a:rPr lang="en-US" sz="4000" dirty="0" smtClean="0">
                 <a:solidFill>
                   <a:srgbClr val="0000FF"/>
                 </a:solidFill>
@@ -2621,125 +3212,27 @@
               <a:t>p</a:t>
             </a:r>
             <a:r>
-              <a:rPr lang="en-US" sz="3600" dirty="0">
+              <a:rPr lang="en-US" sz="4000" dirty="0">
                 <a:latin typeface="Comic Sans MS"/>
                 <a:cs typeface="Comic Sans MS"/>
               </a:rPr>
               <a:t> </a:t>
             </a:r>
             <a:r>
-              <a:rPr lang="en-US" sz="3600" dirty="0" smtClean="0">
+              <a:rPr lang="en-US" sz="4000" dirty="0" smtClean="0">
                 <a:latin typeface="Comic Sans MS"/>
                 <a:cs typeface="Comic Sans MS"/>
               </a:rPr>
-              <a:t>would halt.  </a:t>
-            </a:r>
-            <a:r>
-              <a:rPr lang="en-US" sz="3600" dirty="0">
+              <a:t>would halt</a:t>
+            </a:r>
+            <a:r>
+              <a:rPr lang="en-US" sz="4000" dirty="0" smtClean="0">
                 <a:latin typeface="Comic Sans MS"/>
                 <a:cs typeface="Comic Sans MS"/>
               </a:rPr>
-              <a:t>C</a:t>
-            </a:r>
-            <a:r>
-              <a:rPr lang="en-US" sz="3600" dirty="0" smtClean="0">
-                <a:latin typeface="Comic Sans MS"/>
-                <a:cs typeface="Comic Sans MS"/>
-              </a:rPr>
-              <a:t>onsequently, the validity problem must also be </a:t>
-            </a:r>
-            <a:r>
-              <a:rPr lang="en-US" sz="3600" dirty="0" err="1" smtClean="0">
-                <a:latin typeface="Comic Sans MS"/>
-                <a:cs typeface="Comic Sans MS"/>
-              </a:rPr>
-              <a:t>undecidable</a:t>
-            </a:r>
-            <a:r>
-              <a:rPr lang="en-US" sz="3600" dirty="0" smtClean="0">
-                <a:latin typeface="Comic Sans MS"/>
-                <a:cs typeface="Comic Sans MS"/>
-              </a:rPr>
               <a:t>.</a:t>
             </a:r>
-          </a:p>
-          <a:p>
-            <a:r>
-              <a:rPr lang="en-US" sz="3600" dirty="0" smtClean="0">
-                <a:solidFill>
-                  <a:srgbClr val="000000"/>
-                </a:solidFill>
-                <a:latin typeface="Comic Sans MS"/>
-                <a:cs typeface="Comic Sans MS"/>
-              </a:rPr>
-              <a:t>In the next lecture, we’ll show, </a:t>
-            </a:r>
-            <a:r>
-              <a:rPr lang="en-US" sz="3600" dirty="0">
-                <a:latin typeface="Comic Sans MS"/>
-                <a:cs typeface="Comic Sans MS"/>
-              </a:rPr>
-              <a:t>given any </a:t>
-            </a:r>
-            <a:r>
-              <a:rPr lang="en-US" sz="3600" dirty="0" smtClean="0">
-                <a:solidFill>
-                  <a:srgbClr val="0000FF"/>
-                </a:solidFill>
-                <a:latin typeface="Lucida Blackletter"/>
-                <a:cs typeface="Lucida Blackletter"/>
-              </a:rPr>
-              <a:t>p</a:t>
-            </a:r>
-            <a:r>
-              <a:rPr lang="en-US" sz="3600" dirty="0" smtClean="0">
-                <a:solidFill>
-                  <a:srgbClr val="000000"/>
-                </a:solidFill>
-                <a:latin typeface="Comic Sans MS"/>
-                <a:cs typeface="Comic Sans MS"/>
-              </a:rPr>
-              <a:t>, how to write out </a:t>
-            </a:r>
-            <a:r>
-              <a:rPr lang="en-US" sz="3600" dirty="0" smtClean="0">
-                <a:solidFill>
-                  <a:srgbClr val="0000FF"/>
-                </a:solidFill>
-              </a:rPr>
-              <a:t>F</a:t>
-            </a:r>
-            <a:r>
-              <a:rPr lang="en-US" sz="3600" baseline="-25000" dirty="0" smtClean="0">
-                <a:solidFill>
-                  <a:srgbClr val="0000FF"/>
-                </a:solidFill>
-                <a:latin typeface="Lucida Blackletter"/>
-                <a:cs typeface="Lucida Blackletter"/>
-              </a:rPr>
-              <a:t>p</a:t>
-            </a:r>
-            <a:r>
-              <a:rPr lang="en-US" sz="3600" dirty="0" smtClean="0">
-                <a:solidFill>
-                  <a:srgbClr val="000000"/>
-                </a:solidFill>
-                <a:latin typeface="Comic Sans MS"/>
-                <a:cs typeface="Comic Sans MS"/>
-              </a:rPr>
-              <a:t>.</a:t>
-            </a:r>
-            <a:r>
-              <a:rPr lang="en-US" sz="3600" baseline="-25000" dirty="0" smtClean="0">
-                <a:solidFill>
-                  <a:srgbClr val="0000FF"/>
-                </a:solidFill>
-                <a:latin typeface="Lucida Blackletter"/>
-                <a:cs typeface="Lucida Blackletter"/>
-              </a:rPr>
-              <a:t> </a:t>
-            </a:r>
-            <a:endParaRPr lang="en-US" sz="3600" dirty="0" smtClean="0">
+            <a:endParaRPr lang="en-US" sz="4000" dirty="0" smtClean="0">
               <a:latin typeface="Comic Sans MS"/>
               <a:cs typeface="Comic Sans MS"/>
             </a:endParaRPr>
@@ -2750,6 +3243,317 @@
     <p:extLst>
       <p:ext uri="{BB962C8B-B14F-4D97-AF65-F5344CB8AC3E}">
         <p14:creationId xmlns:p14="http://schemas.microsoft.com/office/powerpoint/2010/main" val="2481094610"/>
+      </p:ext>
+    </p:extLst>
+  </p:cSld>
+  <p:clrMapOvr>
+    <a:masterClrMapping/>
+  </p:clrMapOvr>
+  <p:transition xmlns:p14="http://schemas.microsoft.com/office/powerpoint/2010/main" spd="slow" advClick="0">
+    <p:fade/>
+  </p:transition>
+  <p:timing>
+    <p:tnLst>
+      <p:par>
+        <p:cTn xmlns:p14="http://schemas.microsoft.com/office/powerpoint/2010/main" id="1" dur="indefinite" restart="never" nodeType="tmRoot"/>
+      </p:par>
+    </p:tnLst>
+  </p:timing>
+</p:sld>
+</file>
+
+<file path=ppt/slides/slide16.xml><?xml version="1.0" encoding="utf-8"?>
+<p:sld xmlns:a="http://schemas.openxmlformats.org/drawingml/2006/main" xmlns:r="http://schemas.openxmlformats.org/officeDocument/2006/relationships" xmlns:p="http://schemas.openxmlformats.org/presentationml/2006/main">
+  <p:cSld>
+    <p:spTree>
+      <p:nvGrpSpPr>
+        <p:cNvPr id="1" name=""/>
+        <p:cNvGrpSpPr/>
+        <p:nvPr/>
+      </p:nvGrpSpPr>
+      <p:grpSpPr>
+        <a:xfrm>
+          <a:off x="0" y="0"/>
+          <a:ext cx="0" cy="0"/>
+          <a:chOff x="0" y="0"/>
+          <a:chExt cx="0" cy="0"/>
+        </a:xfrm>
+      </p:grpSpPr>
+      <p:sp>
+        <p:nvSpPr>
+          <p:cNvPr id="2" name="Title 1"/>
+          <p:cNvSpPr>
+            <a:spLocks noGrp="1"/>
+          </p:cNvSpPr>
+          <p:nvPr>
+            <p:ph type="title"/>
+          </p:nvPr>
+        </p:nvSpPr>
+        <p:spPr/>
+        <p:txBody>
+          <a:bodyPr/>
+          <a:lstStyle/>
+          <a:p>
+            <a:r>
+              <a:rPr lang="en-US" sz="4000" dirty="0" smtClean="0"/>
+              <a:t>The Halting Problem</a:t>
+            </a:r>
+            <a:endParaRPr lang="en-US" sz="4000" dirty="0"/>
+          </a:p>
+        </p:txBody>
+      </p:sp>
+      <p:sp>
+        <p:nvSpPr>
+          <p:cNvPr id="3" name="Content Placeholder 2"/>
+          <p:cNvSpPr>
+            <a:spLocks noGrp="1"/>
+          </p:cNvSpPr>
+          <p:nvPr>
+            <p:ph idx="1"/>
+          </p:nvPr>
+        </p:nvSpPr>
+        <p:spPr>
+          <a:xfrm>
+            <a:off x="362853" y="1463525"/>
+            <a:ext cx="8394095" cy="4608285"/>
+          </a:xfrm>
+        </p:spPr>
+        <p:txBody>
+          <a:bodyPr/>
+          <a:lstStyle/>
+          <a:p>
+            <a:r>
+              <a:rPr lang="en-US" sz="4000" dirty="0" smtClean="0"/>
+              <a:t>Now </a:t>
+            </a:r>
+            <a:r>
+              <a:rPr lang="en-US" sz="4000" dirty="0" smtClean="0"/>
+              <a:t>if we could decide the validity of </a:t>
+            </a:r>
+            <a:r>
+              <a:rPr lang="en-US" sz="4000" dirty="0" err="1" smtClean="0">
+                <a:solidFill>
+                  <a:srgbClr val="0000FF"/>
+                </a:solidFill>
+              </a:rPr>
+              <a:t>F</a:t>
+            </a:r>
+            <a:r>
+              <a:rPr lang="en-US" sz="4000" baseline="-25000" dirty="0" err="1" smtClean="0">
+                <a:solidFill>
+                  <a:srgbClr val="0000FF"/>
+                </a:solidFill>
+                <a:latin typeface="Lucida Blackletter"/>
+                <a:cs typeface="Lucida Blackletter"/>
+              </a:rPr>
+              <a:t>p</a:t>
+            </a:r>
+            <a:r>
+              <a:rPr lang="en-US" sz="4000" dirty="0" smtClean="0">
+                <a:solidFill>
+                  <a:srgbClr val="0000FF"/>
+                </a:solidFill>
+                <a:latin typeface="Lucida Blackletter"/>
+                <a:cs typeface="Lucida Blackletter"/>
+              </a:rPr>
+              <a:t> </a:t>
+            </a:r>
+            <a:r>
+              <a:rPr lang="en-US" sz="4000" dirty="0" smtClean="0"/>
+              <a:t>formulas,</a:t>
+            </a:r>
+            <a:r>
+              <a:rPr lang="en-US" sz="4000" dirty="0" smtClean="0">
+                <a:latin typeface="Comic Sans MS"/>
+                <a:cs typeface="Comic Sans MS"/>
+              </a:rPr>
+              <a:t> </a:t>
+            </a:r>
+            <a:r>
+              <a:rPr lang="en-US" sz="4000" dirty="0" smtClean="0">
+                <a:latin typeface="Comic Sans MS"/>
+                <a:cs typeface="Comic Sans MS"/>
+              </a:rPr>
+              <a:t>we</a:t>
+            </a:r>
+            <a:r>
+              <a:rPr lang="en-US" sz="4000" dirty="0" smtClean="0">
+                <a:latin typeface="Lucida Blackletter"/>
+                <a:cs typeface="Lucida Blackletter"/>
+              </a:rPr>
+              <a:t> </a:t>
+            </a:r>
+            <a:r>
+              <a:rPr lang="en-US" sz="4000" dirty="0" smtClean="0">
+                <a:latin typeface="Comic Sans MS"/>
+                <a:cs typeface="Comic Sans MS"/>
+              </a:rPr>
+              <a:t>could </a:t>
+            </a:r>
+            <a:r>
+              <a:rPr lang="en-US" sz="4000" dirty="0" smtClean="0">
+                <a:latin typeface="Comic Sans MS"/>
+                <a:cs typeface="Comic Sans MS"/>
+              </a:rPr>
+              <a:t>decide </a:t>
+            </a:r>
+            <a:r>
+              <a:rPr lang="en-US" sz="4000" dirty="0" smtClean="0">
+                <a:latin typeface="Comic Sans MS"/>
+                <a:cs typeface="Comic Sans MS"/>
+              </a:rPr>
+              <a:t>whether </a:t>
+            </a:r>
+            <a:r>
+              <a:rPr lang="en-US" sz="4000" dirty="0" smtClean="0">
+                <a:solidFill>
+                  <a:srgbClr val="0000FF"/>
+                </a:solidFill>
+                <a:latin typeface="Lucida Blackletter"/>
+                <a:cs typeface="Lucida Blackletter"/>
+              </a:rPr>
+              <a:t>p</a:t>
+            </a:r>
+            <a:r>
+              <a:rPr lang="en-US" sz="4000" dirty="0">
+                <a:latin typeface="Comic Sans MS"/>
+                <a:cs typeface="Comic Sans MS"/>
+              </a:rPr>
+              <a:t> </a:t>
+            </a:r>
+            <a:r>
+              <a:rPr lang="en-US" sz="4000" dirty="0" smtClean="0">
+                <a:latin typeface="Comic Sans MS"/>
+                <a:cs typeface="Comic Sans MS"/>
+              </a:rPr>
+              <a:t>would halt.  </a:t>
+            </a:r>
+            <a:r>
+              <a:rPr lang="en-US" sz="4000" dirty="0" smtClean="0">
+                <a:latin typeface="Comic Sans MS"/>
+                <a:cs typeface="Comic Sans MS"/>
+              </a:rPr>
+              <a:t>So </a:t>
+            </a:r>
+            <a:r>
+              <a:rPr lang="en-US" sz="4000" dirty="0" smtClean="0">
+                <a:latin typeface="Comic Sans MS"/>
+                <a:cs typeface="Comic Sans MS"/>
+              </a:rPr>
+              <a:t>the validity problem must also be </a:t>
+            </a:r>
+            <a:r>
+              <a:rPr lang="en-US" sz="4000" dirty="0" err="1" smtClean="0">
+                <a:latin typeface="Comic Sans MS"/>
+                <a:cs typeface="Comic Sans MS"/>
+              </a:rPr>
+              <a:t>undecidable</a:t>
+            </a:r>
+            <a:r>
+              <a:rPr lang="en-US" sz="4000" dirty="0" smtClean="0">
+                <a:latin typeface="Comic Sans MS"/>
+                <a:cs typeface="Comic Sans MS"/>
+              </a:rPr>
+              <a:t>.</a:t>
+            </a:r>
+          </a:p>
+          <a:p>
+            <a:r>
+              <a:rPr lang="en-US" sz="4000" dirty="0" smtClean="0">
+                <a:solidFill>
+                  <a:srgbClr val="000000"/>
+                </a:solidFill>
+                <a:latin typeface="Comic Sans MS"/>
+                <a:cs typeface="Comic Sans MS"/>
+              </a:rPr>
+              <a:t>We’ll show next how, </a:t>
+            </a:r>
+            <a:r>
+              <a:rPr lang="en-US" sz="4000" dirty="0">
+                <a:latin typeface="Comic Sans MS"/>
+                <a:cs typeface="Comic Sans MS"/>
+              </a:rPr>
+              <a:t>given any </a:t>
+            </a:r>
+            <a:r>
+              <a:rPr lang="en-US" sz="4000" dirty="0" smtClean="0">
+                <a:solidFill>
+                  <a:srgbClr val="0000FF"/>
+                </a:solidFill>
+                <a:latin typeface="Lucida Blackletter"/>
+                <a:cs typeface="Lucida Blackletter"/>
+              </a:rPr>
+              <a:t>p</a:t>
+            </a:r>
+            <a:r>
+              <a:rPr lang="en-US" sz="4000" dirty="0" smtClean="0">
+                <a:solidFill>
+                  <a:srgbClr val="000000"/>
+                </a:solidFill>
+                <a:latin typeface="Comic Sans MS"/>
+                <a:cs typeface="Comic Sans MS"/>
+              </a:rPr>
+              <a:t>, </a:t>
+            </a:r>
+            <a:r>
+              <a:rPr lang="en-US" sz="4000" dirty="0" smtClean="0">
+                <a:solidFill>
+                  <a:srgbClr val="000000"/>
+                </a:solidFill>
+                <a:latin typeface="Comic Sans MS"/>
+                <a:cs typeface="Comic Sans MS"/>
+              </a:rPr>
+              <a:t>to write out </a:t>
+            </a:r>
+            <a:r>
+              <a:rPr lang="en-US" sz="4000" dirty="0" smtClean="0">
+                <a:solidFill>
+                  <a:srgbClr val="0000FF"/>
+                </a:solidFill>
+              </a:rPr>
+              <a:t>F</a:t>
+            </a:r>
+            <a:r>
+              <a:rPr lang="en-US" sz="4000" baseline="-25000" dirty="0" smtClean="0">
+                <a:solidFill>
+                  <a:srgbClr val="0000FF"/>
+                </a:solidFill>
+                <a:latin typeface="Lucida Blackletter"/>
+                <a:cs typeface="Lucida Blackletter"/>
+              </a:rPr>
+              <a:t>p</a:t>
+            </a:r>
+            <a:r>
+              <a:rPr lang="en-US" sz="4000" dirty="0" smtClean="0">
+                <a:solidFill>
+                  <a:srgbClr val="000000"/>
+                </a:solidFill>
+                <a:latin typeface="Comic Sans MS"/>
+                <a:cs typeface="Comic Sans MS"/>
+              </a:rPr>
+              <a:t>.</a:t>
+            </a:r>
+            <a:r>
+              <a:rPr lang="en-US" sz="4000" baseline="-25000" dirty="0" smtClean="0">
+                <a:solidFill>
+                  <a:srgbClr val="0000FF"/>
+                </a:solidFill>
+                <a:latin typeface="Lucida Blackletter"/>
+                <a:cs typeface="Lucida Blackletter"/>
+              </a:rPr>
+              <a:t> </a:t>
+            </a:r>
+            <a:endParaRPr lang="en-US" sz="4000" dirty="0" smtClean="0">
+              <a:latin typeface="Comic Sans MS"/>
+              <a:cs typeface="Comic Sans MS"/>
+            </a:endParaRPr>
+          </a:p>
+        </p:txBody>
+      </p:sp>
+    </p:spTree>
+    <p:extLst>
+      <p:ext uri="{BB962C8B-B14F-4D97-AF65-F5344CB8AC3E}">
+        <p14:creationId xmlns:p14="http://schemas.microsoft.com/office/powerpoint/2010/main" val="3347053865"/>
       </p:ext>
     </p:extLst>
   </p:cSld>
@@ -2854,7 +3658,7 @@
 </file>
 
 <file path=ppt/slides/slide2.xml><?xml version="1.0" encoding="utf-8"?>
-<p:sld xmlns:a="http://schemas.openxmlformats.org/drawingml/2006/main" xmlns:r="http://schemas.openxmlformats.org/officeDocument/2006/relationships" xmlns:p="http://schemas.openxmlformats.org/presentationml/2006/main" show="0">
+<p:sld xmlns:a="http://schemas.openxmlformats.org/drawingml/2006/main" xmlns:r="http://schemas.openxmlformats.org/officeDocument/2006/relationships" xmlns:p="http://schemas.openxmlformats.org/presentationml/2006/main">
   <p:cSld>
     <p:spTree>
       <p:nvGrpSpPr>
@@ -2872,127 +3676,96 @@
       </p:grpSpPr>
       <p:sp>
         <p:nvSpPr>
-          <p:cNvPr id="2052" name="Text Box 4"/>
-          <p:cNvSpPr txBox="1">
-            <a:spLocks noChangeArrowheads="1"/>
+          <p:cNvPr id="2" name="Title 1"/>
+          <p:cNvSpPr>
+            <a:spLocks noGrp="1"/>
           </p:cNvSpPr>
-          <p:nvPr/>
+          <p:nvPr>
+            <p:ph type="title"/>
+          </p:nvPr>
         </p:nvSpPr>
-        <p:spPr bwMode="auto">
+        <p:spPr>
           <a:xfrm>
-            <a:off x="1674246" y="523875"/>
-            <a:ext cx="6441111" cy="1261884"/>
+            <a:off x="1358900" y="363538"/>
+            <a:ext cx="7607300" cy="1033462"/>
           </a:xfrm>
-          <a:prstGeom prst="rect">
-            <a:avLst/>
-          </a:prstGeom>
-          <a:noFill/>
-          <a:ln w="9525">
-            <a:noFill/>
-            <a:miter lim="800000"/>
-            <a:headEnd/>
-            <a:tailEnd/>
-          </a:ln>
-          <a:effectLst/>
         </p:spPr>
         <p:txBody>
-          <a:bodyPr wrap="none">
-            <a:spAutoFit/>
-          </a:bodyPr>
+          <a:bodyPr/>
           <a:lstStyle/>
           <a:p>
-            <a:pPr algn="ctr"/>
-            <a:r>
-              <a:rPr lang="en-US" sz="2800" b="1" i="1" dirty="0">
-                <a:solidFill>
-                  <a:schemeClr val="tx2"/>
-                </a:solidFill>
-                <a:latin typeface="Comic Sans MS" pitchFamily="66" charset="0"/>
-              </a:rPr>
-              <a:t>Mathematics for Computer Science</a:t>
-            </a:r>
-            <a:r>
-              <a:rPr lang="en-US" sz="3600" b="1" i="1" dirty="0">
-                <a:solidFill>
-                  <a:schemeClr val="tx2"/>
-                </a:solidFill>
-                <a:latin typeface="Comic Sans MS" pitchFamily="66" charset="0"/>
-              </a:rPr>
-              <a:t/>
-            </a:r>
-            <a:br>
-              <a:rPr lang="en-US" sz="3600" b="1" i="1" dirty="0">
-                <a:solidFill>
-                  <a:schemeClr val="tx2"/>
-                </a:solidFill>
-                <a:latin typeface="Comic Sans MS" pitchFamily="66" charset="0"/>
-              </a:rPr>
-            </a:br>
-            <a:r>
-              <a:rPr lang="en-US" b="1" dirty="0" smtClean="0">
-                <a:solidFill>
-                  <a:srgbClr val="008000"/>
-                </a:solidFill>
-                <a:latin typeface="Comic Sans MS" pitchFamily="66" charset="0"/>
-              </a:rPr>
-              <a:t>MIT 6.042J</a:t>
-            </a:r>
-            <a:r>
-              <a:rPr lang="en-US" b="1" dirty="0">
-                <a:solidFill>
-                  <a:srgbClr val="008000"/>
-                </a:solidFill>
-                <a:latin typeface="Comic Sans MS" pitchFamily="66" charset="0"/>
-              </a:rPr>
-              <a:t>/18.062J</a:t>
-            </a:r>
-          </a:p>
-          <a:p>
+            <a:r>
+              <a:rPr lang="en-US" dirty="0"/>
+              <a:t>Logic F</a:t>
+            </a:r>
+            <a:r>
+              <a:rPr lang="en-US" dirty="0" smtClean="0"/>
+              <a:t>ormulas for Counter </a:t>
+            </a:r>
+            <a:r>
+              <a:rPr lang="en-US" dirty="0" smtClean="0"/>
+              <a:t>Machines</a:t>
+            </a:r>
             <a:endParaRPr lang="en-US" dirty="0"/>
           </a:p>
         </p:txBody>
       </p:sp>
       <p:sp>
         <p:nvSpPr>
-          <p:cNvPr id="2" name="TextBox 1"/>
-          <p:cNvSpPr txBox="1"/>
-          <p:nvPr/>
+          <p:cNvPr id="3" name="Content Placeholder 2"/>
+          <p:cNvSpPr>
+            <a:spLocks noGrp="1"/>
+          </p:cNvSpPr>
+          <p:nvPr>
+            <p:ph idx="1"/>
+          </p:nvPr>
         </p:nvSpPr>
         <p:spPr>
-          <a:xfrm flipH="1">
-            <a:off x="219745" y="1698244"/>
-            <a:ext cx="8728249" cy="2554545"/>
+          <a:xfrm>
+            <a:off x="407455" y="1427240"/>
+            <a:ext cx="8686800" cy="4838095"/>
           </a:xfrm>
-          <a:prstGeom prst="rect">
-            <a:avLst/>
-          </a:prstGeom>
-          <a:noFill/>
         </p:spPr>
         <p:txBody>
-          <a:bodyPr wrap="square" rtlCol="0">
-            <a:spAutoFit/>
-          </a:bodyPr>
+          <a:bodyPr/>
           <a:lstStyle/>
           <a:p>
-            <a:pPr algn="ctr"/>
-            <a:r>
-              <a:rPr lang="en-US" sz="8000" dirty="0" smtClean="0">
-                <a:latin typeface="Comic Sans MS"/>
-                <a:cs typeface="Comic Sans MS"/>
-              </a:rPr>
-              <a:t>The Logic of</a:t>
-            </a:r>
-          </a:p>
-          <a:p>
-            <a:pPr algn="ctr"/>
-            <a:r>
-              <a:rPr lang="en-US" sz="8000" dirty="0" smtClean="0">
-                <a:latin typeface="Comic Sans MS"/>
-                <a:cs typeface="Comic Sans MS"/>
-              </a:rPr>
-              <a:t>Counter Machines</a:t>
-            </a:r>
-            <a:endParaRPr lang="en-US" sz="8000" dirty="0" smtClean="0">
+            <a:r>
+              <a:rPr lang="en-US" sz="4000" dirty="0" smtClean="0"/>
+              <a:t>Validity checking </a:t>
+            </a:r>
+            <a:r>
+              <a:rPr lang="en-US" sz="4000" dirty="0" smtClean="0"/>
+              <a:t>for predicate logic </a:t>
+            </a:r>
+            <a:r>
+              <a:rPr lang="en-US" sz="4000" dirty="0" smtClean="0">
+                <a:solidFill>
+                  <a:srgbClr val="800000"/>
+                </a:solidFill>
+              </a:rPr>
+              <a:t>has to be</a:t>
+            </a:r>
+            <a:r>
+              <a:rPr lang="en-US" sz="4000" dirty="0" smtClean="0">
+                <a:solidFill>
+                  <a:srgbClr val="800000"/>
+                </a:solidFill>
+              </a:rPr>
+              <a:t> hard</a:t>
+            </a:r>
+            <a:r>
+              <a:rPr lang="en-US" sz="4000" dirty="0"/>
+              <a:t> </a:t>
+            </a:r>
+            <a:r>
+              <a:rPr lang="en-US" sz="4000" dirty="0" smtClean="0"/>
+              <a:t>because</a:t>
+            </a:r>
+            <a:endParaRPr lang="el-GR" sz="5400" dirty="0">
+              <a:solidFill>
+                <a:srgbClr val="008000"/>
+              </a:solidFill>
               <a:latin typeface="Comic Sans MS"/>
               <a:cs typeface="Comic Sans MS"/>
             </a:endParaRPr>
@@ -3002,7 +3775,7 @@
     </p:spTree>
     <p:extLst>
       <p:ext uri="{BB962C8B-B14F-4D97-AF65-F5344CB8AC3E}">
-        <p14:creationId xmlns:p14="http://schemas.microsoft.com/office/powerpoint/2010/main" val="2068536836"/>
+        <p14:creationId xmlns:p14="http://schemas.microsoft.com/office/powerpoint/2010/main" val="2522200457"/>
       </p:ext>
     </p:extLst>
   </p:cSld>
@@ -3010,7 +3783,7 @@
     <a:masterClrMapping/>
   </p:clrMapOvr>
   <p:transition xmlns:p14="http://schemas.microsoft.com/office/powerpoint/2010/main" spd="slow" advClick="0">
-    <p:fade/>
+    <p:fade thruBlk="1"/>
   </p:transition>
   <p:timing>
     <p:tnLst>
@@ -3049,16 +3822,29 @@
             <p:ph type="title"/>
           </p:nvPr>
         </p:nvSpPr>
-        <p:spPr/>
+        <p:spPr>
+          <a:xfrm>
+            <a:off x="1358900" y="363538"/>
+            <a:ext cx="7607300" cy="1033462"/>
+          </a:xfrm>
+        </p:spPr>
         <p:txBody>
           <a:bodyPr/>
           <a:lstStyle/>
           <a:p>
             <a:r>
-              <a:rPr lang="en-US" sz="3600" dirty="0" smtClean="0"/>
-              <a:t>Logic of Counter Machines</a:t>
-            </a:r>
-            <a:endParaRPr lang="en-US" sz="3600" dirty="0"/>
+              <a:rPr lang="en-US" dirty="0"/>
+              <a:t>Logic F</a:t>
+            </a:r>
+            <a:r>
+              <a:rPr lang="en-US" dirty="0" smtClean="0"/>
+              <a:t>ormulas for Counter </a:t>
+            </a:r>
+            <a:r>
+              <a:rPr lang="en-US" dirty="0" smtClean="0"/>
+              <a:t>Machines</a:t>
+            </a:r>
+            <a:endParaRPr lang="en-US" dirty="0"/>
           </a:p>
         </p:txBody>
       </p:sp>
@@ -3083,83 +3869,62 @@
           <a:lstStyle/>
           <a:p>
             <a:r>
-              <a:rPr lang="en-US" sz="3600" dirty="0" smtClean="0"/>
-              <a:t>We can now explain why validity </a:t>
-            </a:r>
-          </a:p>
-          <a:p>
-            <a:r>
-              <a:rPr lang="en-US" sz="3600" dirty="0" smtClean="0"/>
-              <a:t>checking for predicate logic is so hard:</a:t>
-            </a:r>
-          </a:p>
-          <a:p>
-            <a:r>
-              <a:rPr lang="en-US" sz="3600" dirty="0" smtClean="0"/>
-              <a:t>You can take any counter machine </a:t>
-            </a:r>
-          </a:p>
-          <a:p>
-            <a:r>
-              <a:rPr lang="en-US" sz="3600" dirty="0" smtClean="0"/>
+              <a:rPr lang="en-US" sz="4000" dirty="0" smtClean="0"/>
+              <a:t>Validity checking </a:t>
+            </a:r>
+            <a:r>
+              <a:rPr lang="en-US" sz="4000" dirty="0" smtClean="0"/>
+              <a:t>for predicate logic </a:t>
+            </a:r>
+            <a:r>
+              <a:rPr lang="en-US" sz="4000" dirty="0" smtClean="0">
+                <a:solidFill>
+                  <a:srgbClr val="800000"/>
+                </a:solidFill>
+              </a:rPr>
+              <a:t>has to be</a:t>
+            </a:r>
+            <a:r>
+              <a:rPr lang="en-US" sz="4000" dirty="0" smtClean="0">
+                <a:solidFill>
+                  <a:srgbClr val="800000"/>
+                </a:solidFill>
+              </a:rPr>
+              <a:t> hard</a:t>
+            </a:r>
+            <a:r>
+              <a:rPr lang="en-US" sz="4000" dirty="0"/>
+              <a:t> </a:t>
+            </a:r>
+            <a:r>
+              <a:rPr lang="en-US" sz="4000" dirty="0" smtClean="0"/>
+              <a:t>because y</a:t>
+            </a:r>
+            <a:r>
+              <a:rPr lang="en-US" sz="4000" dirty="0" smtClean="0"/>
+              <a:t>ou </a:t>
+            </a:r>
+            <a:r>
+              <a:rPr lang="en-US" sz="4000" dirty="0" smtClean="0"/>
+              <a:t>can take any counter machine </a:t>
+            </a:r>
+            <a:r>
+              <a:rPr lang="en-US" sz="4000" dirty="0" smtClean="0"/>
               <a:t>program </a:t>
             </a:r>
             <a:r>
-              <a:rPr lang="en-US" sz="3600" dirty="0" smtClean="0">
+              <a:rPr lang="en-US" sz="4000" dirty="0" smtClean="0">
                 <a:solidFill>
                   <a:srgbClr val="0000FF"/>
                 </a:solidFill>
                 <a:latin typeface="Lucida Blackletter"/>
                 <a:cs typeface="Lucida Blackletter"/>
               </a:rPr>
-              <a:t>p </a:t>
-            </a:r>
-            <a:r>
-              <a:rPr lang="en-US" sz="3600" dirty="0" smtClean="0">
-                <a:solidFill>
-                  <a:srgbClr val="000000"/>
-                </a:solidFill>
-                <a:latin typeface="Comic Sans MS"/>
-                <a:cs typeface="Comic Sans MS"/>
-              </a:rPr>
-              <a:t>and then write</a:t>
-            </a:r>
-            <a:r>
-              <a:rPr lang="en-US" sz="3600" dirty="0" smtClean="0">
-                <a:latin typeface="Comic Sans MS"/>
-                <a:cs typeface="Comic Sans MS"/>
-              </a:rPr>
-              <a:t> a predicate </a:t>
-            </a:r>
-          </a:p>
-          <a:p>
-            <a:r>
-              <a:rPr lang="en-US" sz="3600" dirty="0" smtClean="0">
-                <a:latin typeface="Comic Sans MS"/>
-                <a:cs typeface="Comic Sans MS"/>
-              </a:rPr>
-              <a:t>formula </a:t>
-            </a:r>
-            <a:r>
-              <a:rPr lang="en-US" sz="3600" dirty="0" err="1" smtClean="0">
-                <a:latin typeface="Comic Sans MS"/>
-                <a:cs typeface="Comic Sans MS"/>
-              </a:rPr>
-              <a:t>F</a:t>
-            </a:r>
-            <a:r>
-              <a:rPr lang="en-US" sz="3600" baseline="-25000" dirty="0" err="1" smtClean="0">
-                <a:solidFill>
-                  <a:srgbClr val="0000FF"/>
-                </a:solidFill>
-                <a:latin typeface="Lucida Blackletter"/>
-                <a:cs typeface="Lucida Blackletter"/>
-              </a:rPr>
               <a:t>p</a:t>
             </a:r>
-            <a:endParaRPr lang="el-GR" sz="4800" dirty="0">
+            <a:endParaRPr lang="el-GR" sz="5400" dirty="0">
               <a:solidFill>
-                <a:srgbClr val="000000"/>
+                <a:srgbClr val="008000"/>
               </a:solidFill>
               <a:latin typeface="Comic Sans MS"/>
               <a:cs typeface="Comic Sans MS"/>
@@ -3170,16 +3935,413 @@
     </p:spTree>
     <p:extLst>
       <p:ext uri="{BB962C8B-B14F-4D97-AF65-F5344CB8AC3E}">
-        <p14:creationId xmlns:p14="http://schemas.microsoft.com/office/powerpoint/2010/main" val="2522200457"/>
+        <p14:creationId xmlns:p14="http://schemas.microsoft.com/office/powerpoint/2010/main" val="4240356584"/>
       </p:ext>
     </p:extLst>
   </p:cSld>
   <p:clrMapOvr>
     <a:masterClrMapping/>
   </p:clrMapOvr>
-  <p:transition xmlns:p14="http://schemas.microsoft.com/office/powerpoint/2010/main" spd="slow" advClick="0">
-    <p:fade/>
-  </p:transition>
+  <mc:AlternateContent xmlns:mc="http://schemas.openxmlformats.org/markup-compatibility/2006">
+    <mc:Choice xmlns:p14="http://schemas.microsoft.com/office/powerpoint/2010/main" Requires="p14">
+      <p:transition spd="med" p14:dur="700" advClick="0">
+        <p:fade/>
+      </p:transition>
+    </mc:Choice>
+    <mc:Fallback>
+      <p:transition xmlns:p14="http://schemas.microsoft.com/office/powerpoint/2010/main" spd="med" advClick="0">
+        <p:fade/>
+      </p:transition>
+    </mc:Fallback>
+  </mc:AlternateContent>
+  <p:timing>
+    <p:tnLst>
+      <p:par>
+        <p:cTn xmlns:p14="http://schemas.microsoft.com/office/powerpoint/2010/main" id="1" dur="indefinite" restart="never" nodeType="tmRoot"/>
+      </p:par>
+    </p:tnLst>
+  </p:timing>
+</p:sld>
+</file>
+
+<file path=ppt/slides/slide4.xml><?xml version="1.0" encoding="utf-8"?>
+<p:sld xmlns:a="http://schemas.openxmlformats.org/drawingml/2006/main" xmlns:r="http://schemas.openxmlformats.org/officeDocument/2006/relationships" xmlns:p="http://schemas.openxmlformats.org/presentationml/2006/main">
+  <p:cSld>
+    <p:spTree>
+      <p:nvGrpSpPr>
+        <p:cNvPr id="1" name=""/>
+        <p:cNvGrpSpPr/>
+        <p:nvPr/>
+      </p:nvGrpSpPr>
+      <p:grpSpPr>
+        <a:xfrm>
+          <a:off x="0" y="0"/>
+          <a:ext cx="0" cy="0"/>
+          <a:chOff x="0" y="0"/>
+          <a:chExt cx="0" cy="0"/>
+        </a:xfrm>
+      </p:grpSpPr>
+      <p:sp>
+        <p:nvSpPr>
+          <p:cNvPr id="2" name="Title 1"/>
+          <p:cNvSpPr>
+            <a:spLocks noGrp="1"/>
+          </p:cNvSpPr>
+          <p:nvPr>
+            <p:ph type="title"/>
+          </p:nvPr>
+        </p:nvSpPr>
+        <p:spPr>
+          <a:xfrm>
+            <a:off x="1358900" y="363538"/>
+            <a:ext cx="7607300" cy="1033462"/>
+          </a:xfrm>
+        </p:spPr>
+        <p:txBody>
+          <a:bodyPr/>
+          <a:lstStyle/>
+          <a:p>
+            <a:r>
+              <a:rPr lang="en-US" dirty="0"/>
+              <a:t>Logic F</a:t>
+            </a:r>
+            <a:r>
+              <a:rPr lang="en-US" dirty="0" smtClean="0"/>
+              <a:t>ormulas for Counter </a:t>
+            </a:r>
+            <a:r>
+              <a:rPr lang="en-US" dirty="0" smtClean="0"/>
+              <a:t>Machines</a:t>
+            </a:r>
+            <a:endParaRPr lang="en-US" dirty="0"/>
+          </a:p>
+        </p:txBody>
+      </p:sp>
+      <p:sp>
+        <p:nvSpPr>
+          <p:cNvPr id="3" name="Content Placeholder 2"/>
+          <p:cNvSpPr>
+            <a:spLocks noGrp="1"/>
+          </p:cNvSpPr>
+          <p:nvPr>
+            <p:ph idx="1"/>
+          </p:nvPr>
+        </p:nvSpPr>
+        <p:spPr>
+          <a:xfrm>
+            <a:off x="407455" y="1427240"/>
+            <a:ext cx="8686800" cy="4838095"/>
+          </a:xfrm>
+        </p:spPr>
+        <p:txBody>
+          <a:bodyPr/>
+          <a:lstStyle/>
+          <a:p>
+            <a:r>
+              <a:rPr lang="en-US" sz="4000" dirty="0" smtClean="0"/>
+              <a:t>Validity checking </a:t>
+            </a:r>
+            <a:r>
+              <a:rPr lang="en-US" sz="4000" dirty="0" smtClean="0"/>
+              <a:t>for predicate logic </a:t>
+            </a:r>
+            <a:r>
+              <a:rPr lang="en-US" sz="4000" dirty="0" smtClean="0">
+                <a:solidFill>
+                  <a:srgbClr val="800000"/>
+                </a:solidFill>
+              </a:rPr>
+              <a:t>has to be</a:t>
+            </a:r>
+            <a:r>
+              <a:rPr lang="en-US" sz="4000" dirty="0" smtClean="0">
+                <a:solidFill>
+                  <a:srgbClr val="800000"/>
+                </a:solidFill>
+              </a:rPr>
+              <a:t> hard</a:t>
+            </a:r>
+            <a:r>
+              <a:rPr lang="en-US" sz="4000" dirty="0"/>
+              <a:t> </a:t>
+            </a:r>
+            <a:r>
+              <a:rPr lang="en-US" sz="4000" dirty="0" smtClean="0"/>
+              <a:t>because y</a:t>
+            </a:r>
+            <a:r>
+              <a:rPr lang="en-US" sz="4000" dirty="0" smtClean="0"/>
+              <a:t>ou </a:t>
+            </a:r>
+            <a:r>
+              <a:rPr lang="en-US" sz="4000" dirty="0" smtClean="0"/>
+              <a:t>can take any counter machine </a:t>
+            </a:r>
+            <a:r>
+              <a:rPr lang="en-US" sz="4000" dirty="0" smtClean="0"/>
+              <a:t>program </a:t>
+            </a:r>
+            <a:r>
+              <a:rPr lang="en-US" sz="4000" dirty="0" smtClean="0">
+                <a:solidFill>
+                  <a:srgbClr val="0000FF"/>
+                </a:solidFill>
+                <a:latin typeface="Lucida Blackletter"/>
+                <a:cs typeface="Lucida Blackletter"/>
+              </a:rPr>
+              <a:t>p </a:t>
+            </a:r>
+            <a:r>
+              <a:rPr lang="en-US" sz="4000" dirty="0" smtClean="0">
+                <a:solidFill>
+                  <a:srgbClr val="000000"/>
+                </a:solidFill>
+                <a:latin typeface="Comic Sans MS"/>
+                <a:cs typeface="Comic Sans MS"/>
+              </a:rPr>
+              <a:t>and </a:t>
+            </a:r>
+            <a:r>
+              <a:rPr lang="en-US" sz="4000" dirty="0" smtClean="0">
+                <a:solidFill>
+                  <a:srgbClr val="000000"/>
+                </a:solidFill>
+                <a:latin typeface="Comic Sans MS"/>
+                <a:cs typeface="Comic Sans MS"/>
+              </a:rPr>
+              <a:t>write</a:t>
+            </a:r>
+            <a:r>
+              <a:rPr lang="en-US" sz="4000" dirty="0" smtClean="0">
+                <a:latin typeface="Comic Sans MS"/>
+                <a:cs typeface="Comic Sans MS"/>
+              </a:rPr>
+              <a:t> a predicate </a:t>
+            </a:r>
+            <a:r>
+              <a:rPr lang="en-US" sz="4000" dirty="0" smtClean="0">
+                <a:latin typeface="Comic Sans MS"/>
+                <a:cs typeface="Comic Sans MS"/>
+              </a:rPr>
+              <a:t>formula </a:t>
+            </a:r>
+            <a:r>
+              <a:rPr lang="en-US" sz="4000" dirty="0" err="1" smtClean="0">
+                <a:latin typeface="Comic Sans MS"/>
+                <a:cs typeface="Comic Sans MS"/>
+              </a:rPr>
+              <a:t>F</a:t>
+            </a:r>
+            <a:r>
+              <a:rPr lang="en-US" sz="4000" baseline="-25000" dirty="0" err="1" smtClean="0">
+                <a:solidFill>
+                  <a:srgbClr val="0000FF"/>
+                </a:solidFill>
+                <a:latin typeface="Lucida Blackletter"/>
+                <a:cs typeface="Lucida Blackletter"/>
+              </a:rPr>
+              <a:t>p</a:t>
+            </a:r>
+            <a:r>
+              <a:rPr lang="en-US" sz="4000" baseline="-25000" dirty="0">
+                <a:solidFill>
+                  <a:srgbClr val="0000FF"/>
+                </a:solidFill>
+                <a:latin typeface="Lucida Blackletter"/>
+                <a:cs typeface="Lucida Blackletter"/>
+              </a:rPr>
+              <a:t> </a:t>
+            </a:r>
+            <a:r>
+              <a:rPr lang="en-US" sz="4000" dirty="0" smtClean="0">
+                <a:latin typeface="Comic Sans MS"/>
+                <a:cs typeface="Comic Sans MS"/>
+              </a:rPr>
+              <a:t>such </a:t>
+            </a:r>
+            <a:r>
+              <a:rPr lang="en-US" sz="4000" dirty="0">
+                <a:latin typeface="Comic Sans MS"/>
+                <a:cs typeface="Comic Sans MS"/>
+              </a:rPr>
+              <a:t>that (</a:t>
+            </a:r>
+            <a:r>
+              <a:rPr lang="en-US" sz="4000" dirty="0">
+                <a:solidFill>
+                  <a:srgbClr val="000000"/>
+                </a:solidFill>
+                <a:latin typeface="Comic Sans MS"/>
+                <a:cs typeface="Comic Sans MS"/>
+              </a:rPr>
+              <a:t>started with 0’s </a:t>
+            </a:r>
+            <a:r>
+              <a:rPr lang="en-US" sz="4000" dirty="0" smtClean="0">
+                <a:solidFill>
+                  <a:srgbClr val="000000"/>
+                </a:solidFill>
+                <a:latin typeface="Comic Sans MS"/>
+                <a:cs typeface="Comic Sans MS"/>
+              </a:rPr>
+              <a:t>in </a:t>
+            </a:r>
+            <a:r>
+              <a:rPr lang="en-US" sz="4000" dirty="0">
+                <a:solidFill>
+                  <a:srgbClr val="000000"/>
+                </a:solidFill>
+                <a:latin typeface="Comic Sans MS"/>
+                <a:cs typeface="Comic Sans MS"/>
+              </a:rPr>
+              <a:t>all counters),</a:t>
+            </a:r>
+            <a:endParaRPr lang="en-US" sz="4000" dirty="0">
+              <a:latin typeface="Comic Sans MS"/>
+              <a:cs typeface="Comic Sans MS"/>
+            </a:endParaRPr>
+          </a:p>
+          <a:p>
+            <a:pPr algn="ctr"/>
+            <a:r>
+              <a:rPr lang="en-US" sz="5400" dirty="0">
+                <a:solidFill>
+                  <a:srgbClr val="0000FF"/>
+                </a:solidFill>
+                <a:latin typeface="Lucida Blackletter"/>
+                <a:cs typeface="Lucida Blackletter"/>
+              </a:rPr>
+              <a:t>p </a:t>
+            </a:r>
+            <a:r>
+              <a:rPr lang="en-US" sz="5400" dirty="0">
+                <a:solidFill>
+                  <a:srgbClr val="008000"/>
+                </a:solidFill>
+                <a:latin typeface="Comic Sans MS"/>
+                <a:cs typeface="Comic Sans MS"/>
+              </a:rPr>
+              <a:t>halts</a:t>
+            </a:r>
+            <a:r>
+              <a:rPr lang="en-US" sz="5400" dirty="0">
+                <a:solidFill>
+                  <a:srgbClr val="000000"/>
+                </a:solidFill>
+                <a:latin typeface="Comic Sans MS"/>
+                <a:cs typeface="Comic Sans MS"/>
+              </a:rPr>
+              <a:t>  </a:t>
+            </a:r>
+            <a:r>
+              <a:rPr lang="en-US" sz="5400" dirty="0" err="1" smtClean="0">
+                <a:solidFill>
+                  <a:srgbClr val="000000"/>
+                </a:solidFill>
+                <a:latin typeface="Comic Sans MS"/>
+                <a:cs typeface="Comic Sans MS"/>
+              </a:rPr>
+              <a:t>iff</a:t>
+            </a:r>
+            <a:r>
+              <a:rPr lang="en-US" sz="5400" dirty="0" smtClean="0">
+                <a:solidFill>
+                  <a:srgbClr val="000000"/>
+                </a:solidFill>
+                <a:latin typeface="Comic Sans MS"/>
+                <a:cs typeface="Comic Sans MS"/>
+              </a:rPr>
+              <a:t>  </a:t>
+            </a:r>
+            <a:r>
+              <a:rPr lang="en-US" sz="5400" dirty="0" err="1" smtClean="0">
+                <a:latin typeface="Comic Sans MS"/>
+                <a:cs typeface="Comic Sans MS"/>
+              </a:rPr>
+              <a:t>F</a:t>
+            </a:r>
+            <a:r>
+              <a:rPr lang="en-US" sz="5400" baseline="-25000" dirty="0" err="1" smtClean="0">
+                <a:solidFill>
+                  <a:srgbClr val="0000FF"/>
+                </a:solidFill>
+                <a:latin typeface="Lucida Blackletter"/>
+                <a:cs typeface="Lucida Blackletter"/>
+              </a:rPr>
+              <a:t>p</a:t>
+            </a:r>
+            <a:r>
+              <a:rPr lang="en-US" sz="5400" baseline="-25000" dirty="0" smtClean="0">
+                <a:solidFill>
+                  <a:srgbClr val="0000FF"/>
+                </a:solidFill>
+                <a:latin typeface="Lucida Blackletter"/>
+                <a:cs typeface="Lucida Blackletter"/>
+              </a:rPr>
+              <a:t>  </a:t>
+            </a:r>
+            <a:r>
+              <a:rPr lang="en-US" sz="5400" dirty="0" smtClean="0">
+                <a:solidFill>
+                  <a:srgbClr val="000000"/>
+                </a:solidFill>
+                <a:latin typeface="Comic Sans MS"/>
+                <a:cs typeface="Comic Sans MS"/>
+              </a:rPr>
+              <a:t> </a:t>
+            </a:r>
+            <a:r>
+              <a:rPr lang="en-US" sz="5400" dirty="0">
+                <a:solidFill>
+                  <a:srgbClr val="000000"/>
+                </a:solidFill>
+                <a:latin typeface="Comic Sans MS"/>
+                <a:cs typeface="Comic Sans MS"/>
+              </a:rPr>
+              <a:t>is </a:t>
+            </a:r>
+            <a:r>
+              <a:rPr lang="en-US" sz="5400" dirty="0" smtClean="0">
+                <a:solidFill>
+                  <a:srgbClr val="008000"/>
+                </a:solidFill>
+                <a:latin typeface="Comic Sans MS"/>
+                <a:cs typeface="Comic Sans MS"/>
+              </a:rPr>
+              <a:t>valid</a:t>
+            </a:r>
+            <a:endParaRPr lang="el-GR" sz="5400" dirty="0">
+              <a:solidFill>
+                <a:srgbClr val="008000"/>
+              </a:solidFill>
+              <a:latin typeface="Comic Sans MS"/>
+              <a:cs typeface="Comic Sans MS"/>
+            </a:endParaRPr>
+          </a:p>
+        </p:txBody>
+      </p:sp>
+    </p:spTree>
+    <p:extLst>
+      <p:ext uri="{BB962C8B-B14F-4D97-AF65-F5344CB8AC3E}">
+        <p14:creationId xmlns:p14="http://schemas.microsoft.com/office/powerpoint/2010/main" val="3442910101"/>
+      </p:ext>
+    </p:extLst>
+  </p:cSld>
+  <p:clrMapOvr>
+    <a:masterClrMapping/>
+  </p:clrMapOvr>
+  <mc:AlternateContent xmlns:mc="http://schemas.openxmlformats.org/markup-compatibility/2006">
+    <mc:Choice xmlns:p14="http://schemas.microsoft.com/office/powerpoint/2010/main" Requires="p14">
+      <p:transition spd="med" p14:dur="600" advClick="0">
+        <p:fade/>
+      </p:transition>
+    </mc:Choice>
+    <mc:Fallback>
+      <p:transition xmlns:p14="http://schemas.microsoft.com/office/powerpoint/2010/main" spd="med" advClick="0">
+        <p:fade/>
+      </p:transition>
+    </mc:Fallback>
+  </mc:AlternateContent>
   <p:timing>
     <p:tnLst>
       <p:par>
@@ -3216,7 +4378,7 @@
                                         <p:tgtEl>
                                           <p:spTgt spid="3">
                                             <p:txEl>
-                                              <p:pRg st="2" end="2"/>
+                                              <p:pRg st="1" end="1"/>
                                             </p:txEl>
                                           </p:spTgt>
                                         </p:tgtEl>
@@ -3234,515 +4396,7 @@
                                         <p:tgtEl>
                                           <p:spTgt spid="3">
                                             <p:txEl>
-                                              <p:pRg st="2" end="2"/>
-                                            </p:txEl>
-                                          </p:spTgt>
-                                        </p:tgtEl>
-                                      </p:cBhvr>
-                                    </p:animEffect>
-                                  </p:childTnLst>
-                                </p:cTn>
-                              </p:par>
-                              <p:par>
-                                <p:cTn id="8" presetID="10" presetClass="entr" presetSubtype="0" fill="hold" nodeType="withEffect">
-                                  <p:stCondLst>
-                                    <p:cond delay="0"/>
-                                  </p:stCondLst>
-                                  <p:childTnLst>
-                                    <p:set>
-                                      <p:cBhvr>
-                                        <p:cTn id="9" dur="1" fill="hold">
-                                          <p:stCondLst>
-                                            <p:cond delay="0"/>
-                                          </p:stCondLst>
-                                        </p:cTn>
-                                        <p:tgtEl>
-                                          <p:spTgt spid="3">
-                                            <p:txEl>
-                                              <p:pRg st="3" end="3"/>
-                                            </p:txEl>
-                                          </p:spTgt>
-                                        </p:tgtEl>
-                                        <p:attrNameLst>
-                                          <p:attrName>style.visibility</p:attrName>
-                                        </p:attrNameLst>
-                                      </p:cBhvr>
-                                      <p:to>
-                                        <p:strVal val="visible"/>
-                                      </p:to>
-                                    </p:set>
-                                    <p:animEffect transition="in" filter="fade">
-                                      <p:cBhvr>
-                                        <p:cTn id="10" dur="500"/>
-                                        <p:tgtEl>
-                                          <p:spTgt spid="3">
-                                            <p:txEl>
-                                              <p:pRg st="3" end="3"/>
-                                            </p:txEl>
-                                          </p:spTgt>
-                                        </p:tgtEl>
-                                      </p:cBhvr>
-                                    </p:animEffect>
-                                  </p:childTnLst>
-                                </p:cTn>
-                              </p:par>
-                              <p:par>
-                                <p:cTn id="11" presetID="10" presetClass="entr" presetSubtype="0" fill="hold" nodeType="withEffect">
-                                  <p:stCondLst>
-                                    <p:cond delay="0"/>
-                                  </p:stCondLst>
-                                  <p:childTnLst>
-                                    <p:set>
-                                      <p:cBhvr>
-                                        <p:cTn id="12" dur="1" fill="hold">
-                                          <p:stCondLst>
-                                            <p:cond delay="0"/>
-                                          </p:stCondLst>
-                                        </p:cTn>
-                                        <p:tgtEl>
-                                          <p:spTgt spid="3">
-                                            <p:txEl>
-                                              <p:pRg st="4" end="4"/>
-                                            </p:txEl>
-                                          </p:spTgt>
-                                        </p:tgtEl>
-                                        <p:attrNameLst>
-                                          <p:attrName>style.visibility</p:attrName>
-                                        </p:attrNameLst>
-                                      </p:cBhvr>
-                                      <p:to>
-                                        <p:strVal val="visible"/>
-                                      </p:to>
-                                    </p:set>
-                                    <p:animEffect transition="in" filter="fade">
-                                      <p:cBhvr>
-                                        <p:cTn id="13" dur="500"/>
-                                        <p:tgtEl>
-                                          <p:spTgt spid="3">
-                                            <p:txEl>
-                                              <p:pRg st="4" end="4"/>
-                                            </p:txEl>
-                                          </p:spTgt>
-                                        </p:tgtEl>
-                                      </p:cBhvr>
-                                    </p:animEffect>
-                                  </p:childTnLst>
-                                </p:cTn>
-                              </p:par>
-                            </p:childTnLst>
-                          </p:cTn>
-                        </p:par>
-                      </p:childTnLst>
-                    </p:cTn>
-                  </p:par>
-                </p:childTnLst>
-              </p:cTn>
-              <p:prevCondLst>
-                <p:cond evt="onPrev" delay="0">
-                  <p:tgtEl>
-                    <p:sldTgt/>
-                  </p:tgtEl>
-                </p:cond>
-              </p:prevCondLst>
-              <p:nextCondLst>
-                <p:cond evt="onNext" delay="0">
-                  <p:tgtEl>
-                    <p:sldTgt/>
-                  </p:tgtEl>
-                </p:cond>
-              </p:nextCondLst>
-            </p:seq>
-          </p:childTnLst>
-        </p:cTn>
-      </p:par>
-    </p:tnLst>
-  </p:timing>
-</p:sld>
-</file>
-
-<file path=ppt/slides/slide4.xml><?xml version="1.0" encoding="utf-8"?>
-<p:sld xmlns:a="http://schemas.openxmlformats.org/drawingml/2006/main" xmlns:r="http://schemas.openxmlformats.org/officeDocument/2006/relationships" xmlns:p="http://schemas.openxmlformats.org/presentationml/2006/main">
-  <p:cSld>
-    <p:spTree>
-      <p:nvGrpSpPr>
-        <p:cNvPr id="1" name=""/>
-        <p:cNvGrpSpPr/>
-        <p:nvPr/>
-      </p:nvGrpSpPr>
-      <p:grpSpPr>
-        <a:xfrm>
-          <a:off x="0" y="0"/>
-          <a:ext cx="0" cy="0"/>
-          <a:chOff x="0" y="0"/>
-          <a:chExt cx="0" cy="0"/>
-        </a:xfrm>
-      </p:grpSpPr>
-      <p:sp>
-        <p:nvSpPr>
-          <p:cNvPr id="2" name="Title 1"/>
-          <p:cNvSpPr>
-            <a:spLocks noGrp="1"/>
-          </p:cNvSpPr>
-          <p:nvPr>
-            <p:ph type="title"/>
-          </p:nvPr>
-        </p:nvSpPr>
-        <p:spPr/>
-        <p:txBody>
-          <a:bodyPr/>
-          <a:lstStyle/>
-          <a:p>
-            <a:r>
-              <a:rPr lang="en-US" sz="3600" dirty="0" smtClean="0"/>
-              <a:t>Logic of Counter Machines</a:t>
-            </a:r>
-            <a:endParaRPr lang="en-US" sz="3600" dirty="0"/>
-          </a:p>
-        </p:txBody>
-      </p:sp>
-      <p:sp>
-        <p:nvSpPr>
-          <p:cNvPr id="3" name="Content Placeholder 2"/>
-          <p:cNvSpPr>
-            <a:spLocks noGrp="1"/>
-          </p:cNvSpPr>
-          <p:nvPr>
-            <p:ph idx="1"/>
-          </p:nvPr>
-        </p:nvSpPr>
-        <p:spPr>
-          <a:xfrm>
-            <a:off x="407455" y="1427240"/>
-            <a:ext cx="8686800" cy="4838095"/>
-          </a:xfrm>
-        </p:spPr>
-        <p:txBody>
-          <a:bodyPr/>
-          <a:lstStyle/>
-          <a:p>
-            <a:r>
-              <a:rPr lang="en-US" sz="3600" dirty="0" smtClean="0"/>
-              <a:t>We can now explain why validity </a:t>
-            </a:r>
-          </a:p>
-          <a:p>
-            <a:r>
-              <a:rPr lang="en-US" sz="3600" dirty="0" smtClean="0"/>
-              <a:t>checking for predicate logic is so hard:</a:t>
-            </a:r>
-          </a:p>
-          <a:p>
-            <a:r>
-              <a:rPr lang="en-US" sz="3600" dirty="0" smtClean="0"/>
-              <a:t>You can take any counter machine </a:t>
-            </a:r>
-          </a:p>
-          <a:p>
-            <a:r>
-              <a:rPr lang="en-US" sz="3600" dirty="0" smtClean="0"/>
-              <a:t>program </a:t>
-            </a:r>
-            <a:r>
-              <a:rPr lang="en-US" sz="3600" dirty="0" smtClean="0">
-                <a:solidFill>
-                  <a:srgbClr val="0000FF"/>
-                </a:solidFill>
-                <a:latin typeface="Lucida Blackletter"/>
-                <a:cs typeface="Lucida Blackletter"/>
-              </a:rPr>
-              <a:t>p </a:t>
-            </a:r>
-            <a:r>
-              <a:rPr lang="en-US" sz="3600" dirty="0" smtClean="0">
-                <a:solidFill>
-                  <a:srgbClr val="000000"/>
-                </a:solidFill>
-                <a:latin typeface="Comic Sans MS"/>
-                <a:cs typeface="Comic Sans MS"/>
-              </a:rPr>
-              <a:t>and then write</a:t>
-            </a:r>
-            <a:r>
-              <a:rPr lang="en-US" sz="3600" dirty="0" smtClean="0">
-                <a:latin typeface="Comic Sans MS"/>
-                <a:cs typeface="Comic Sans MS"/>
-              </a:rPr>
-              <a:t> a predicate </a:t>
-            </a:r>
-          </a:p>
-          <a:p>
-            <a:r>
-              <a:rPr lang="en-US" sz="3600" dirty="0" smtClean="0">
-                <a:latin typeface="Comic Sans MS"/>
-                <a:cs typeface="Comic Sans MS"/>
-              </a:rPr>
-              <a:t>formula </a:t>
-            </a:r>
-            <a:r>
-              <a:rPr lang="en-US" sz="3600" dirty="0" err="1" smtClean="0">
-                <a:latin typeface="Comic Sans MS"/>
-                <a:cs typeface="Comic Sans MS"/>
-              </a:rPr>
-              <a:t>F</a:t>
-            </a:r>
-            <a:r>
-              <a:rPr lang="en-US" sz="3600" baseline="-25000" dirty="0" err="1">
-                <a:solidFill>
-                  <a:srgbClr val="0000FF"/>
-                </a:solidFill>
-                <a:latin typeface="Lucida Blackletter"/>
-                <a:cs typeface="Lucida Blackletter"/>
-              </a:rPr>
-              <a:t>p</a:t>
-            </a:r>
-            <a:r>
-              <a:rPr lang="en-US" sz="3600" dirty="0" smtClean="0">
-                <a:latin typeface="Comic Sans MS"/>
-                <a:cs typeface="Comic Sans MS"/>
-              </a:rPr>
-              <a:t> such that (</a:t>
-            </a:r>
-            <a:r>
-              <a:rPr lang="en-US" sz="3600" dirty="0" smtClean="0">
-                <a:solidFill>
-                  <a:srgbClr val="000000"/>
-                </a:solidFill>
-                <a:latin typeface="Comic Sans MS"/>
-                <a:cs typeface="Comic Sans MS"/>
-              </a:rPr>
-              <a:t>started </a:t>
-            </a:r>
-            <a:r>
-              <a:rPr lang="en-US" sz="3600" dirty="0">
-                <a:solidFill>
-                  <a:srgbClr val="000000"/>
-                </a:solidFill>
-                <a:latin typeface="Comic Sans MS"/>
-                <a:cs typeface="Comic Sans MS"/>
-              </a:rPr>
-              <a:t>with 0’s </a:t>
-            </a:r>
-            <a:endParaRPr lang="en-US" sz="3600" dirty="0" smtClean="0">
-              <a:solidFill>
-                <a:srgbClr val="000000"/>
-              </a:solidFill>
-              <a:latin typeface="Comic Sans MS"/>
-              <a:cs typeface="Comic Sans MS"/>
-            </a:endParaRPr>
-          </a:p>
-          <a:p>
-            <a:r>
-              <a:rPr lang="en-US" sz="3600" dirty="0" smtClean="0">
-                <a:solidFill>
-                  <a:srgbClr val="000000"/>
-                </a:solidFill>
-                <a:latin typeface="Comic Sans MS"/>
-                <a:cs typeface="Comic Sans MS"/>
-              </a:rPr>
-              <a:t>in </a:t>
-            </a:r>
-            <a:r>
-              <a:rPr lang="en-US" sz="3600" dirty="0">
-                <a:solidFill>
-                  <a:srgbClr val="000000"/>
-                </a:solidFill>
-                <a:latin typeface="Comic Sans MS"/>
-                <a:cs typeface="Comic Sans MS"/>
-              </a:rPr>
-              <a:t>all </a:t>
-            </a:r>
-            <a:r>
-              <a:rPr lang="en-US" sz="3600" dirty="0" smtClean="0">
-                <a:solidFill>
-                  <a:srgbClr val="000000"/>
-                </a:solidFill>
-                <a:latin typeface="Comic Sans MS"/>
-                <a:cs typeface="Comic Sans MS"/>
-              </a:rPr>
-              <a:t>counters),</a:t>
-            </a:r>
-            <a:endParaRPr lang="en-US" sz="3600" dirty="0" smtClean="0">
-              <a:latin typeface="Comic Sans MS"/>
-              <a:cs typeface="Comic Sans MS"/>
-            </a:endParaRPr>
-          </a:p>
-          <a:p>
-            <a:pPr algn="ctr"/>
-            <a:r>
-              <a:rPr lang="en-US" sz="4800" dirty="0" smtClean="0">
-                <a:solidFill>
-                  <a:srgbClr val="0000FF"/>
-                </a:solidFill>
-                <a:latin typeface="Lucida Blackletter"/>
-                <a:cs typeface="Lucida Blackletter"/>
-              </a:rPr>
-              <a:t>p </a:t>
-            </a:r>
-            <a:r>
-              <a:rPr lang="en-US" sz="4800" dirty="0" smtClean="0">
-                <a:solidFill>
-                  <a:srgbClr val="008000"/>
-                </a:solidFill>
-                <a:latin typeface="Comic Sans MS"/>
-                <a:cs typeface="Comic Sans MS"/>
-              </a:rPr>
-              <a:t>halts</a:t>
-            </a:r>
-            <a:r>
-              <a:rPr lang="en-US" sz="4800" dirty="0" smtClean="0">
-                <a:solidFill>
-                  <a:srgbClr val="000000"/>
-                </a:solidFill>
-                <a:latin typeface="Comic Sans MS"/>
-                <a:cs typeface="Comic Sans MS"/>
-              </a:rPr>
-              <a:t>   </a:t>
-            </a:r>
-            <a:r>
-              <a:rPr lang="en-US" sz="4800" dirty="0" err="1" smtClean="0">
-                <a:solidFill>
-                  <a:srgbClr val="000000"/>
-                </a:solidFill>
-                <a:latin typeface="Comic Sans MS"/>
-                <a:cs typeface="Comic Sans MS"/>
-              </a:rPr>
-              <a:t>iff</a:t>
-            </a:r>
-            <a:r>
-              <a:rPr lang="en-US" sz="4800" dirty="0" smtClean="0">
-                <a:solidFill>
-                  <a:srgbClr val="000000"/>
-                </a:solidFill>
-                <a:latin typeface="Comic Sans MS"/>
-                <a:cs typeface="Comic Sans MS"/>
-              </a:rPr>
-              <a:t> </a:t>
-            </a:r>
-            <a:r>
-              <a:rPr lang="en-US" sz="4800" dirty="0" err="1" smtClean="0">
-                <a:latin typeface="Comic Sans MS"/>
-                <a:cs typeface="Comic Sans MS"/>
-              </a:rPr>
-              <a:t>F</a:t>
-            </a:r>
-            <a:r>
-              <a:rPr lang="en-US" sz="4800" baseline="-25000" dirty="0" err="1" smtClean="0">
-                <a:solidFill>
-                  <a:srgbClr val="0000FF"/>
-                </a:solidFill>
-                <a:latin typeface="Lucida Blackletter"/>
-                <a:cs typeface="Lucida Blackletter"/>
-              </a:rPr>
-              <a:t>p</a:t>
-            </a:r>
-            <a:r>
-              <a:rPr lang="en-US" sz="4800" baseline="-25000" dirty="0" smtClean="0">
-                <a:solidFill>
-                  <a:srgbClr val="0000FF"/>
-                </a:solidFill>
-                <a:latin typeface="Lucida Blackletter"/>
-                <a:cs typeface="Lucida Blackletter"/>
-              </a:rPr>
-              <a:t>  </a:t>
-            </a:r>
-            <a:r>
-              <a:rPr lang="en-US" sz="4800" dirty="0" smtClean="0">
-                <a:solidFill>
-                  <a:srgbClr val="000000"/>
-                </a:solidFill>
-                <a:latin typeface="Comic Sans MS"/>
-                <a:cs typeface="Comic Sans MS"/>
-              </a:rPr>
-              <a:t> is </a:t>
-            </a:r>
-            <a:r>
-              <a:rPr lang="en-US" sz="4800" dirty="0" smtClean="0">
-                <a:solidFill>
-                  <a:srgbClr val="008000"/>
-                </a:solidFill>
-                <a:latin typeface="Comic Sans MS"/>
-                <a:cs typeface="Comic Sans MS"/>
-              </a:rPr>
-              <a:t>valid</a:t>
-            </a:r>
-            <a:endParaRPr lang="el-GR" sz="4800" dirty="0">
-              <a:solidFill>
-                <a:srgbClr val="008000"/>
-              </a:solidFill>
-              <a:latin typeface="Comic Sans MS"/>
-              <a:cs typeface="Comic Sans MS"/>
-            </a:endParaRPr>
-          </a:p>
-        </p:txBody>
-      </p:sp>
-    </p:spTree>
-    <p:extLst>
-      <p:ext uri="{BB962C8B-B14F-4D97-AF65-F5344CB8AC3E}">
-        <p14:creationId xmlns:p14="http://schemas.microsoft.com/office/powerpoint/2010/main" val="2896066212"/>
-      </p:ext>
-    </p:extLst>
-  </p:cSld>
-  <p:clrMapOvr>
-    <a:masterClrMapping/>
-  </p:clrMapOvr>
-  <p:transition xmlns:p14="http://schemas.microsoft.com/office/powerpoint/2010/main" spd="slow" advClick="0">
-    <p:fade/>
-  </p:transition>
-  <p:timing>
-    <p:tnLst>
-      <p:par>
-        <p:cTn xmlns:p14="http://schemas.microsoft.com/office/powerpoint/2010/main" id="1" dur="indefinite" restart="never" nodeType="tmRoot">
-          <p:childTnLst>
-            <p:seq concurrent="1" nextAc="seek">
-              <p:cTn id="2" dur="indefinite" nodeType="mainSeq">
-                <p:childTnLst>
-                  <p:par>
-                    <p:cTn id="3" fill="hold">
-                      <p:stCondLst>
-                        <p:cond delay="indefinite"/>
-                      </p:stCondLst>
-                      <p:childTnLst>
-                        <p:par>
-                          <p:cTn id="4" fill="hold">
-                            <p:stCondLst>
-                              <p:cond delay="0"/>
-                            </p:stCondLst>
-                            <p:childTnLst>
-                              <p:par>
-                                <p:cTn id="5" presetID="22" presetClass="entr" presetSubtype="8" fill="hold" nodeType="clickEffect">
-                                  <p:stCondLst>
-                                    <p:cond delay="0"/>
-                                  </p:stCondLst>
-                                  <p:childTnLst>
-                                    <p:set>
-                                      <p:cBhvr>
-                                        <p:cTn id="6" dur="1" fill="hold">
-                                          <p:stCondLst>
-                                            <p:cond delay="0"/>
-                                          </p:stCondLst>
-                                        </p:cTn>
-                                        <p:tgtEl>
-                                          <p:spTgt spid="3">
-                                            <p:txEl>
-                                              <p:pRg st="6" end="6"/>
-                                            </p:txEl>
-                                          </p:spTgt>
-                                        </p:tgtEl>
-                                        <p:attrNameLst>
-                                          <p:attrName>style.visibility</p:attrName>
-                                        </p:attrNameLst>
-                                      </p:cBhvr>
-                                      <p:to>
-                                        <p:strVal val="visible"/>
-                                      </p:to>
-                                    </p:set>
-                                    <p:animEffect transition="in" filter="wipe(left)">
-                                      <p:cBhvr>
-                                        <p:cTn id="7" dur="1000"/>
-                                        <p:tgtEl>
-                                          <p:spTgt spid="3">
-                                            <p:txEl>
-                                              <p:pRg st="6" end="6"/>
+                                              <p:pRg st="1" end="1"/>
                                             </p:txEl>
                                           </p:spTgt>
                                         </p:tgtEl>
@@ -3809,14 +4463,23 @@
             <p:ph type="title"/>
           </p:nvPr>
         </p:nvSpPr>
-        <p:spPr/>
+        <p:spPr>
+          <a:xfrm>
+            <a:off x="1651000" y="363538"/>
+            <a:ext cx="7150100" cy="982662"/>
+          </a:xfrm>
+        </p:spPr>
         <p:txBody>
           <a:bodyPr/>
           <a:lstStyle/>
           <a:p>
             <a:r>
               <a:rPr lang="en-US" sz="3600" dirty="0" smtClean="0"/>
-              <a:t>Programs are hard to analyze</a:t>
+              <a:t>Programs are hard to </a:t>
+            </a:r>
+            <a:r>
+              <a:rPr lang="en-US" sz="3600" dirty="0" smtClean="0"/>
+              <a:t>analyze!</a:t>
             </a:r>
             <a:endParaRPr lang="en-US" sz="3600" dirty="0"/>
           </a:p>
@@ -3844,7 +4507,18 @@
           <a:p>
             <a:r>
               <a:rPr lang="en-US" sz="4400" dirty="0" smtClean="0"/>
-              <a:t>You may already have some appreciation of how difficult it is to understand programs – even small ones if they are “</a:t>
+              <a:t>You may already have some appreciation of how difficult it is to understand programs </a:t>
+            </a:r>
+            <a:endParaRPr lang="en-US" sz="4400" dirty="0" smtClean="0"/>
+          </a:p>
+          <a:p>
+            <a:r>
+              <a:rPr lang="en-US" sz="4400" dirty="0" smtClean="0"/>
+              <a:t>– </a:t>
+            </a:r>
+            <a:r>
+              <a:rPr lang="en-US" sz="4400" dirty="0" smtClean="0"/>
+              <a:t>even small ones if they are “</a:t>
             </a:r>
             <a:r>
               <a:rPr lang="en-US" sz="4400" dirty="0" smtClean="0">
@@ -3871,15 +4545,164 @@
   <p:clrMapOvr>
     <a:masterClrMapping/>
   </p:clrMapOvr>
-  <p:transition xmlns:p14="http://schemas.microsoft.com/office/powerpoint/2010/main" spd="slow" advClick="0">
-    <p:fade/>
-  </p:transition>
+  <mc:AlternateContent xmlns:mc="http://schemas.openxmlformats.org/markup-compatibility/2006">
+    <mc:Choice xmlns:p14="http://schemas.microsoft.com/office/powerpoint/2010/main" Requires="p14">
+      <p:transition spd="slow" p14:dur="800" advClick="0">
+        <p:fade thruBlk="1"/>
+      </p:transition>
+    </mc:Choice>
+    <mc:Fallback>
+      <p:transition xmlns:p14="http://schemas.microsoft.com/office/powerpoint/2010/main" spd="slow" advClick="0">
+        <p:fade thruBlk="1"/>
+      </p:transition>
+    </mc:Fallback>
+  </mc:AlternateContent>
   <p:timing>
     <p:tnLst>
       <p:par>
-        <p:cTn xmlns:p14="http://schemas.microsoft.com/office/powerpoint/2010/main" id="1" dur="indefinite" restart="never" nodeType="tmRoot"/>
+        <p:cTn xmlns:p14="http://schemas.microsoft.com/office/powerpoint/2010/main" id="1" dur="indefinite" restart="never" nodeType="tmRoot">
+          <p:childTnLst>
+            <p:seq concurrent="1" nextAc="seek">
+              <p:cTn id="2" dur="indefinite" nodeType="mainSeq">
+                <p:childTnLst>
+                  <p:par>
+                    <p:cTn id="3" fill="hold">
+                      <p:stCondLst>
+                        <p:cond delay="indefinite"/>
+                      </p:stCondLst>
+                      <p:childTnLst>
+                        <p:par>
+                          <p:cTn id="4" fill="hold">
+                            <p:stCondLst>
+                              <p:cond delay="0"/>
+                            </p:stCondLst>
+                            <p:childTnLst>
+                              <p:par>
+                                <p:cTn id="5" presetID="10" presetClass="entr" presetSubtype="0" fill="hold" nodeType="clickEffect">
+                                  <p:stCondLst>
+                                    <p:cond delay="0"/>
+                                  </p:stCondLst>
+                                  <p:childTnLst>
+                                    <p:set>
+                                      <p:cBhvr>
+                                        <p:cTn id="6" dur="1" fill="hold">
+                                          <p:stCondLst>
+                                            <p:cond delay="0"/>
+                                          </p:stCondLst>
+                                        </p:cTn>
+                                        <p:tgtEl>
+                                          <p:spTgt spid="3">
+                                            <p:txEl>
+                                              <p:pRg st="1" end="1"/>
+                                            </p:txEl>
+                                          </p:spTgt>
+                                        </p:tgtEl>
+                                        <p:attrNameLst>
+                                          <p:attrName>style.visibility</p:attrName>
+                                        </p:attrNameLst>
+                                      </p:cBhvr>
+                                      <p:to>
+                                        <p:strVal val="visible"/>
+                                      </p:to>
+                                    </p:set>
+                                    <p:animEffect transition="in" filter="fade">
+                                      <p:cBhvr>
+                                        <p:cTn id="7" dur="500"/>
+                                        <p:tgtEl>
+                                          <p:spTgt spid="3">
+                                            <p:txEl>
+                                              <p:pRg st="1" end="1"/>
+                                            </p:txEl>
+                                          </p:spTgt>
+                                        </p:tgtEl>
+                                      </p:cBhvr>
+                                    </p:animEffect>
+                                  </p:childTnLst>
+                                </p:cTn>
+                              </p:par>
+                            </p:childTnLst>
+                          </p:cTn>
+                        </p:par>
+                      </p:childTnLst>
+                    </p:cTn>
+                  </p:par>
+                  <p:par>
+                    <p:cTn id="8" fill="hold">
+                      <p:stCondLst>
+                        <p:cond delay="indefinite"/>
+                      </p:stCondLst>
+                      <p:childTnLst>
+                        <p:par>
+                          <p:cTn id="9" fill="hold">
+                            <p:stCondLst>
+                              <p:cond delay="0"/>
+                            </p:stCondLst>
+                            <p:childTnLst>
+                              <p:par>
+                                <p:cTn id="10" presetID="10" presetClass="entr" presetSubtype="0" fill="hold" grpId="0" nodeType="clickEffect">
+                                  <p:stCondLst>
+                                    <p:cond delay="0"/>
+                                  </p:stCondLst>
+                                  <p:childTnLst>
+                                    <p:set>
+                                      <p:cBhvr>
+                                        <p:cTn id="11" dur="1" fill="hold">
+                                          <p:stCondLst>
+                                            <p:cond delay="0"/>
+                                          </p:stCondLst>
+                                        </p:cTn>
+                                        <p:tgtEl>
+                                          <p:spTgt spid="2"/>
+                                        </p:tgtEl>
+                                        <p:attrNameLst>
+                                          <p:attrName>style.visibility</p:attrName>
+                                        </p:attrNameLst>
+                                      </p:cBhvr>
+                                      <p:to>
+                                        <p:strVal val="visible"/>
+                                      </p:to>
+                                    </p:set>
+                                    <p:animEffect transition="in" filter="fade">
+                                      <p:cBhvr>
+                                        <p:cTn id="12" dur="500"/>
+                                        <p:tgtEl>
+                                          <p:spTgt spid="2"/>
+                                        </p:tgtEl>
+                                      </p:cBhvr>
+                                    </p:animEffect>
+                                  </p:childTnLst>
+                                </p:cTn>
+                              </p:par>
+                            </p:childTnLst>
+                          </p:cTn>
+                        </p:par>
+                      </p:childTnLst>
+                    </p:cTn>
+                  </p:par>
+                </p:childTnLst>
+              </p:cTn>
+              <p:prevCondLst>
+                <p:cond evt="onPrev" delay="0">
+                  <p:tgtEl>
+                    <p:sldTgt/>
+                  </p:tgtEl>
+                </p:cond>
+              </p:prevCondLst>
+              <p:nextCondLst>
+                <p:cond evt="onNext" delay="0">
+                  <p:tgtEl>
+                    <p:sldTgt/>
+                  </p:tgtEl>
+                </p:cond>
+              </p:nextCondLst>
+            </p:seq>
+          </p:childTnLst>
+        </p:cTn>
       </p:par>
     </p:tnLst>
+    <p:bldLst>
+      <p:bldP spid="2" grpId="0"/>
+    </p:bldLst>
   </p:timing>
 </p:sld>
 </file>
@@ -3921,9 +4744,22 @@
           <a:bodyPr/>
           <a:lstStyle/>
           <a:p>
+            <a:pPr marL="0">
+              <a:spcBef>
+                <a:spcPts val="0"/>
+              </a:spcBef>
+            </a:pPr>
             <a:r>
               <a:rPr lang="en-US" sz="4400" dirty="0" smtClean="0"/>
-              <a:t>In fact, it is a basic theorem of computability, that it is </a:t>
+              <a:t>In fact, it is a basic </a:t>
+            </a:r>
+            <a:r>
+              <a:rPr lang="en-US" sz="4400" dirty="0" smtClean="0"/>
+              <a:t>theorem that </a:t>
+            </a:r>
+            <a:r>
+              <a:rPr lang="en-US" sz="4400" dirty="0" smtClean="0"/>
+              <a:t>it is </a:t>
             </a:r>
             <a:r>
               <a:rPr lang="en-US" sz="4400" dirty="0" smtClean="0">
@@ -3931,11 +4767,7 @@
                   <a:srgbClr val="0000FF"/>
                 </a:solidFill>
               </a:rPr>
-              <a:t>logically impossible </a:t>
-            </a:r>
-            <a:r>
-              <a:rPr lang="en-US" sz="4400" dirty="0" smtClean="0"/>
-              <a:t>for any </a:t>
+              <a:t>logically </a:t>
             </a:r>
             <a:r>
               <a:rPr lang="en-US" sz="4400" dirty="0" smtClean="0">
@@ -3943,30 +4775,15 @@
                   <a:srgbClr val="0000FF"/>
                 </a:solidFill>
               </a:rPr>
-              <a:t>single program</a:t>
-            </a:r>
-            <a:r>
-              <a:rPr lang="en-US" sz="4400" dirty="0" smtClean="0"/>
-              <a:t> to automatically analyze the behavior of </a:t>
-            </a:r>
-            <a:r>
-              <a:rPr lang="en-US" sz="4400" dirty="0" smtClean="0">
-                <a:solidFill>
-                  <a:srgbClr val="E416DE"/>
-                </a:solidFill>
-              </a:rPr>
-              <a:t>every possible</a:t>
-            </a:r>
-            <a:r>
-              <a:rPr lang="en-US" sz="4400" dirty="0" smtClean="0"/>
-              <a:t> program.</a:t>
-            </a:r>
+              <a:t>impossible</a:t>
+            </a:r>
+            <a:endParaRPr lang="en-US" sz="4400" dirty="0" smtClean="0"/>
           </a:p>
         </p:txBody>
       </p:sp>
       <p:sp>
         <p:nvSpPr>
-          <p:cNvPr id="5" name="Title 1"/>
+          <p:cNvPr id="6" name="Title 1"/>
           <p:cNvSpPr>
             <a:spLocks noGrp="1"/>
           </p:cNvSpPr>
@@ -3977,7 +4794,7 @@
         <p:spPr>
           <a:xfrm>
             <a:off x="1651000" y="363538"/>
-            <a:ext cx="6794500" cy="1003300"/>
+            <a:ext cx="7150100" cy="982662"/>
           </a:xfrm>
         </p:spPr>
         <p:txBody>
@@ -3986,7 +4803,11 @@
           <a:p>
             <a:r>
               <a:rPr lang="en-US" sz="3600" dirty="0" smtClean="0"/>
-              <a:t>Programs are hard to analyze</a:t>
+              <a:t>Programs are hard to </a:t>
+            </a:r>
+            <a:r>
+              <a:rPr lang="en-US" sz="3600" dirty="0" smtClean="0"/>
+              <a:t>analyze!</a:t>
             </a:r>
             <a:endParaRPr lang="en-US" sz="3600" dirty="0"/>
           </a:p>
@@ -4002,9 +4823,18 @@
   <p:clrMapOvr>
     <a:masterClrMapping/>
   </p:clrMapOvr>
-  <p:transition xmlns:p14="http://schemas.microsoft.com/office/powerpoint/2010/main" spd="slow" advClick="0">
-    <p:fade/>
-  </p:transition>
+  <mc:AlternateContent xmlns:mc="http://schemas.openxmlformats.org/markup-compatibility/2006">
+    <mc:Choice xmlns:p14="http://schemas.microsoft.com/office/powerpoint/2010/main" Requires="p14">
+      <p:transition spd="med" p14:dur="600" advClick="0">
+        <p:fade/>
+      </p:transition>
+    </mc:Choice>
+    <mc:Fallback>
+      <p:transition xmlns:p14="http://schemas.microsoft.com/office/powerpoint/2010/main" spd="med" advClick="0">
+        <p:fade/>
+      </p:transition>
+    </mc:Fallback>
+  </mc:AlternateContent>
   <p:timing>
     <p:tnLst>
       <p:par>
@@ -4034,29 +4864,6 @@
       </p:grpSpPr>
       <p:sp>
         <p:nvSpPr>
-          <p:cNvPr id="2" name="Title 1"/>
-          <p:cNvSpPr>
-            <a:spLocks noGrp="1"/>
-          </p:cNvSpPr>
-          <p:nvPr>
-            <p:ph type="title"/>
-          </p:nvPr>
-        </p:nvSpPr>
-        <p:spPr/>
-        <p:txBody>
-          <a:bodyPr/>
-          <a:lstStyle/>
-          <a:p>
-            <a:r>
-              <a:rPr lang="en-US" sz="4000" dirty="0" smtClean="0"/>
-              <a:t>The Halting Problem</a:t>
-            </a:r>
-            <a:endParaRPr lang="en-US" sz="4000" dirty="0"/>
-          </a:p>
-        </p:txBody>
-      </p:sp>
-      <p:sp>
-        <p:nvSpPr>
           <p:cNvPr id="3" name="Content Placeholder 2"/>
           <p:cNvSpPr>
             <a:spLocks noGrp="1"/>
@@ -4067,73 +4874,136 @@
         </p:nvSpPr>
         <p:spPr>
           <a:xfrm>
-            <a:off x="95250" y="1415142"/>
-            <a:ext cx="8951988" cy="4971143"/>
+            <a:off x="95251" y="1576009"/>
+            <a:ext cx="8806844" cy="4773991"/>
           </a:xfrm>
         </p:spPr>
         <p:txBody>
           <a:bodyPr/>
           <a:lstStyle/>
           <a:p>
-            <a:r>
-              <a:rPr lang="en-US" sz="4000" dirty="0" smtClean="0"/>
-              <a:t>In particular, it is impossible to find a program (in any programming language you choose – say C++), that is capable of </a:t>
-            </a:r>
-            <a:r>
-              <a:rPr lang="en-US" sz="4000" dirty="0" err="1" smtClean="0"/>
-              <a:t>analysing</a:t>
-            </a:r>
-            <a:r>
-              <a:rPr lang="en-US" sz="4000" dirty="0" smtClean="0"/>
-              <a:t> an arbitrary program</a:t>
-            </a:r>
-            <a:endParaRPr lang="en-US" sz="4000" dirty="0"/>
+            <a:pPr marL="0">
+              <a:spcBef>
+                <a:spcPts val="0"/>
+              </a:spcBef>
+            </a:pPr>
+            <a:r>
+              <a:rPr lang="en-US" sz="4400" dirty="0" smtClean="0"/>
+              <a:t>In fact, it is a basic </a:t>
+            </a:r>
+            <a:r>
+              <a:rPr lang="en-US" sz="4400" dirty="0" smtClean="0"/>
+              <a:t>theorem </a:t>
+            </a:r>
+            <a:r>
+              <a:rPr lang="en-US" sz="4400" dirty="0" smtClean="0"/>
+              <a:t>that it is </a:t>
+            </a:r>
+            <a:r>
+              <a:rPr lang="en-US" sz="4400" dirty="0" smtClean="0">
+                <a:solidFill>
+                  <a:srgbClr val="0000FF"/>
+                </a:solidFill>
+              </a:rPr>
+              <a:t>logically </a:t>
+            </a:r>
+            <a:r>
+              <a:rPr lang="en-US" sz="4400" dirty="0" smtClean="0">
+                <a:solidFill>
+                  <a:srgbClr val="E416DE"/>
+                </a:solidFill>
+              </a:rPr>
+              <a:t>impossible</a:t>
+            </a:r>
+            <a:r>
+              <a:rPr lang="en-US" sz="4400" dirty="0" smtClean="0">
+                <a:solidFill>
+                  <a:srgbClr val="0000FF"/>
+                </a:solidFill>
+              </a:rPr>
+              <a:t> </a:t>
+            </a:r>
+            <a:r>
+              <a:rPr lang="en-US" sz="4400" dirty="0" smtClean="0"/>
+              <a:t>for any </a:t>
+            </a:r>
+            <a:r>
+              <a:rPr lang="en-US" sz="4400" dirty="0" smtClean="0">
+                <a:solidFill>
+                  <a:srgbClr val="0000FF"/>
+                </a:solidFill>
+              </a:rPr>
+              <a:t>single program</a:t>
+            </a:r>
+            <a:r>
+              <a:rPr lang="en-US" sz="4400" dirty="0" smtClean="0"/>
+              <a:t> to </a:t>
+            </a:r>
+            <a:r>
+              <a:rPr lang="en-US" sz="4400" dirty="0" smtClean="0"/>
+              <a:t>analyze automatically </a:t>
+            </a:r>
+            <a:r>
+              <a:rPr lang="en-US" sz="4400" dirty="0" smtClean="0"/>
+              <a:t>the </a:t>
+            </a:r>
+            <a:r>
+              <a:rPr lang="en-US" sz="4400" dirty="0" smtClean="0"/>
+              <a:t>behavior </a:t>
+            </a:r>
+            <a:r>
+              <a:rPr lang="en-US" sz="4400" dirty="0" smtClean="0"/>
+              <a:t>of</a:t>
+            </a:r>
+          </a:p>
+          <a:p>
+            <a:pPr marL="0">
+              <a:spcBef>
+                <a:spcPts val="0"/>
+              </a:spcBef>
+            </a:pPr>
+            <a:r>
+              <a:rPr lang="en-US" sz="4400" dirty="0">
+                <a:solidFill>
+                  <a:srgbClr val="E416DE"/>
+                </a:solidFill>
+              </a:rPr>
+              <a:t> </a:t>
+            </a:r>
+            <a:r>
+              <a:rPr lang="en-US" sz="4400" dirty="0" smtClean="0">
+                <a:solidFill>
+                  <a:srgbClr val="E416DE"/>
+                </a:solidFill>
+              </a:rPr>
+              <a:t> </a:t>
+            </a:r>
+            <a:r>
+              <a:rPr lang="en-US" sz="4400" dirty="0" smtClean="0">
+                <a:solidFill>
+                  <a:srgbClr val="E416DE"/>
+                </a:solidFill>
+              </a:rPr>
+              <a:t>every </a:t>
+            </a:r>
+            <a:r>
+              <a:rPr lang="en-US" sz="4400" dirty="0" smtClean="0">
+                <a:solidFill>
+                  <a:srgbClr val="E416DE"/>
+                </a:solidFill>
+              </a:rPr>
+              <a:t>possible</a:t>
+            </a:r>
+            <a:r>
+              <a:rPr lang="en-US" sz="4400" dirty="0" smtClean="0"/>
+              <a:t> program.</a:t>
+            </a:r>
           </a:p>
         </p:txBody>
       </p:sp>
-    </p:spTree>
-    <p:extLst>
-      <p:ext uri="{BB962C8B-B14F-4D97-AF65-F5344CB8AC3E}">
-        <p14:creationId xmlns:p14="http://schemas.microsoft.com/office/powerpoint/2010/main" val="2103920140"/>
-      </p:ext>
-    </p:extLst>
-  </p:cSld>
-  <p:clrMapOvr>
-    <a:masterClrMapping/>
-  </p:clrMapOvr>
-  <p:transition xmlns:p14="http://schemas.microsoft.com/office/powerpoint/2010/main" spd="slow" advClick="0">
-    <p:fade/>
-  </p:transition>
-  <p:timing>
-    <p:tnLst>
-      <p:par>
-        <p:cTn xmlns:p14="http://schemas.microsoft.com/office/powerpoint/2010/main" id="1" dur="indefinite" restart="never" nodeType="tmRoot"/>
-      </p:par>
-    </p:tnLst>
-  </p:timing>
-</p:sld>
-</file>
-
-<file path=ppt/slides/slide8.xml><?xml version="1.0" encoding="utf-8"?>
-<p:sld xmlns:a="http://schemas.openxmlformats.org/drawingml/2006/main" xmlns:r="http://schemas.openxmlformats.org/officeDocument/2006/relationships" xmlns:p="http://schemas.openxmlformats.org/presentationml/2006/main">
-  <p:cSld>
-    <p:spTree>
-      <p:nvGrpSpPr>
-        <p:cNvPr id="1" name=""/>
-        <p:cNvGrpSpPr/>
-        <p:nvPr/>
-      </p:nvGrpSpPr>
-      <p:grpSpPr>
-        <a:xfrm>
-          <a:off x="0" y="0"/>
-          <a:ext cx="0" cy="0"/>
-          <a:chOff x="0" y="0"/>
-          <a:chExt cx="0" cy="0"/>
-        </a:xfrm>
-      </p:grpSpPr>
       <p:sp>
         <p:nvSpPr>
-          <p:cNvPr id="2" name="Title 1"/>
+          <p:cNvPr id="6" name="Title 1"/>
           <p:cNvSpPr>
             <a:spLocks noGrp="1"/>
           </p:cNvSpPr>
@@ -4141,33 +5011,10 @@
             <p:ph type="title"/>
           </p:nvPr>
         </p:nvSpPr>
-        <p:spPr/>
-        <p:txBody>
-          <a:bodyPr/>
-          <a:lstStyle/>
-          <a:p>
-            <a:r>
-              <a:rPr lang="en-US" sz="4000" dirty="0" smtClean="0"/>
-              <a:t>The Halting Problem</a:t>
-            </a:r>
-            <a:endParaRPr lang="en-US" sz="4000" dirty="0"/>
-          </a:p>
-        </p:txBody>
-      </p:sp>
-      <p:sp>
-        <p:nvSpPr>
-          <p:cNvPr id="3" name="Content Placeholder 2"/>
-          <p:cNvSpPr>
-            <a:spLocks noGrp="1"/>
-          </p:cNvSpPr>
-          <p:nvPr>
-            <p:ph idx="1"/>
-          </p:nvPr>
-        </p:nvSpPr>
         <p:spPr>
           <a:xfrm>
-            <a:off x="95250" y="1415142"/>
-            <a:ext cx="8951988" cy="4971143"/>
+            <a:off x="1651000" y="363538"/>
+            <a:ext cx="7150100" cy="982662"/>
           </a:xfrm>
         </p:spPr>
         <p:txBody>
@@ -4175,113 +5022,12 @@
           <a:lstStyle/>
           <a:p>
             <a:r>
-              <a:rPr lang="en-US" sz="4000" dirty="0" smtClean="0"/>
-              <a:t>In particular, it is impossible to find a program (in any programming language you choose – say C++), that is capable of </a:t>
-            </a:r>
-            <a:r>
-              <a:rPr lang="en-US" sz="4000" dirty="0" err="1" smtClean="0"/>
-              <a:t>analysing</a:t>
-            </a:r>
-            <a:r>
-              <a:rPr lang="en-US" sz="4000" dirty="0" smtClean="0"/>
-              <a:t> an arbitrary program, not even to figure out if an arbitrary program will eventually respond after it starts executing.</a:t>
-            </a:r>
-            <a:endParaRPr lang="en-US" sz="4000" dirty="0"/>
-          </a:p>
-        </p:txBody>
-      </p:sp>
-    </p:spTree>
-    <p:extLst>
-      <p:ext uri="{BB962C8B-B14F-4D97-AF65-F5344CB8AC3E}">
-        <p14:creationId xmlns:p14="http://schemas.microsoft.com/office/powerpoint/2010/main" val="2981088689"/>
-      </p:ext>
-    </p:extLst>
-  </p:cSld>
-  <p:clrMapOvr>
-    <a:masterClrMapping/>
-  </p:clrMapOvr>
-  <p:transition xmlns:p14="http://schemas.microsoft.com/office/powerpoint/2010/main" spd="slow" advClick="0">
-    <p:fade/>
-  </p:transition>
-  <p:timing>
-    <p:tnLst>
-      <p:par>
-        <p:cTn xmlns:p14="http://schemas.microsoft.com/office/powerpoint/2010/main" id="1" dur="indefinite" restart="never" nodeType="tmRoot"/>
-      </p:par>
-    </p:tnLst>
-  </p:timing>
-</p:sld>
-</file>
-
-<file path=ppt/slides/slide9.xml><?xml version="1.0" encoding="utf-8"?>
-<p:sld xmlns:a="http://schemas.openxmlformats.org/drawingml/2006/main" xmlns:r="http://schemas.openxmlformats.org/officeDocument/2006/relationships" xmlns:p="http://schemas.openxmlformats.org/presentationml/2006/main">
-  <p:cSld>
-    <p:spTree>
-      <p:nvGrpSpPr>
-        <p:cNvPr id="1" name=""/>
-        <p:cNvGrpSpPr/>
-        <p:nvPr/>
-      </p:nvGrpSpPr>
-      <p:grpSpPr>
-        <a:xfrm>
-          <a:off x="0" y="0"/>
-          <a:ext cx="0" cy="0"/>
-          <a:chOff x="0" y="0"/>
-          <a:chExt cx="0" cy="0"/>
-        </a:xfrm>
-      </p:grpSpPr>
-      <p:sp>
-        <p:nvSpPr>
-          <p:cNvPr id="2" name="Title 1"/>
-          <p:cNvSpPr>
-            <a:spLocks noGrp="1"/>
-          </p:cNvSpPr>
-          <p:nvPr>
-            <p:ph type="title"/>
-          </p:nvPr>
-        </p:nvSpPr>
-        <p:spPr/>
-        <p:txBody>
-          <a:bodyPr/>
-          <a:lstStyle/>
-          <a:p>
-            <a:r>
-              <a:rPr lang="en-US" sz="4000" dirty="0" smtClean="0"/>
-              <a:t>The Halting Problem</a:t>
-            </a:r>
-            <a:endParaRPr lang="en-US" sz="4000" dirty="0"/>
-          </a:p>
-        </p:txBody>
-      </p:sp>
-      <p:sp>
-        <p:nvSpPr>
-          <p:cNvPr id="3" name="Content Placeholder 2"/>
-          <p:cNvSpPr>
-            <a:spLocks noGrp="1"/>
-          </p:cNvSpPr>
-          <p:nvPr>
-            <p:ph idx="1"/>
-          </p:nvPr>
-        </p:nvSpPr>
-        <p:spPr>
-          <a:xfrm>
-            <a:off x="157238" y="1463525"/>
-            <a:ext cx="8890000" cy="4910665"/>
-          </a:xfrm>
-        </p:spPr>
-        <p:txBody>
-          <a:bodyPr/>
-          <a:lstStyle/>
-          <a:p>
-            <a:r>
               <a:rPr lang="en-US" sz="3600" dirty="0" smtClean="0"/>
-              <a:t>We have argued that Counter Machines can simulate general register machines.  Compilers translate arbitrary programs into register machine code.</a:t>
-            </a:r>
-          </a:p>
-          <a:p>
+              <a:t>Programs are hard to </a:t>
+            </a:r>
             <a:r>
               <a:rPr lang="en-US" sz="3600" dirty="0" smtClean="0"/>
-              <a:t>So it is even impossible to decide if an arbitrary Counter Machine will ever finish its computation.</a:t>
+              <a:t>analyze!</a:t>
             </a:r>
             <a:endParaRPr lang="en-US" sz="3600" dirty="0"/>
           </a:p>
@@ -4290,7 +5036,7 @@
     </p:spTree>
     <p:extLst>
       <p:ext uri="{BB962C8B-B14F-4D97-AF65-F5344CB8AC3E}">
-        <p14:creationId xmlns:p14="http://schemas.microsoft.com/office/powerpoint/2010/main" val="1984008847"/>
+        <p14:creationId xmlns:p14="http://schemas.microsoft.com/office/powerpoint/2010/main" val="610175609"/>
       </p:ext>
     </p:extLst>
   </p:cSld>
@@ -4388,6 +5134,202 @@
             </p:seq>
           </p:childTnLst>
         </p:cTn>
+      </p:par>
+    </p:tnLst>
+  </p:timing>
+</p:sld>
+</file>
+
+<file path=ppt/slides/slide8.xml><?xml version="1.0" encoding="utf-8"?>
+<p:sld xmlns:a="http://schemas.openxmlformats.org/drawingml/2006/main" xmlns:r="http://schemas.openxmlformats.org/officeDocument/2006/relationships" xmlns:p="http://schemas.openxmlformats.org/presentationml/2006/main">
+  <p:cSld>
+    <p:spTree>
+      <p:nvGrpSpPr>
+        <p:cNvPr id="1" name=""/>
+        <p:cNvGrpSpPr/>
+        <p:nvPr/>
+      </p:nvGrpSpPr>
+      <p:grpSpPr>
+        <a:xfrm>
+          <a:off x="0" y="0"/>
+          <a:ext cx="0" cy="0"/>
+          <a:chOff x="0" y="0"/>
+          <a:chExt cx="0" cy="0"/>
+        </a:xfrm>
+      </p:grpSpPr>
+      <p:sp>
+        <p:nvSpPr>
+          <p:cNvPr id="3" name="Content Placeholder 2"/>
+          <p:cNvSpPr>
+            <a:spLocks noGrp="1"/>
+          </p:cNvSpPr>
+          <p:nvPr>
+            <p:ph idx="1"/>
+          </p:nvPr>
+        </p:nvSpPr>
+        <p:spPr>
+          <a:xfrm>
+            <a:off x="95250" y="1415142"/>
+            <a:ext cx="8951988" cy="4971143"/>
+          </a:xfrm>
+        </p:spPr>
+        <p:txBody>
+          <a:bodyPr/>
+          <a:lstStyle/>
+          <a:p>
+            <a:pPr marL="0" indent="0">
+              <a:spcBef>
+                <a:spcPts val="0"/>
+              </a:spcBef>
+            </a:pPr>
+            <a:r>
+              <a:rPr lang="en-US" sz="4000" dirty="0" smtClean="0"/>
+              <a:t>In particular, it is impossible to find a program (in any programming language you choose – say C++</a:t>
+            </a:r>
+            <a:r>
+              <a:rPr lang="en-US" sz="4000" dirty="0" smtClean="0"/>
+              <a:t>)</a:t>
+            </a:r>
+            <a:endParaRPr lang="en-US" sz="4000" dirty="0"/>
+          </a:p>
+        </p:txBody>
+      </p:sp>
+    </p:spTree>
+    <p:extLst>
+      <p:ext uri="{BB962C8B-B14F-4D97-AF65-F5344CB8AC3E}">
+        <p14:creationId xmlns:p14="http://schemas.microsoft.com/office/powerpoint/2010/main" val="2103920140"/>
+      </p:ext>
+    </p:extLst>
+  </p:cSld>
+  <p:clrMapOvr>
+    <a:masterClrMapping/>
+  </p:clrMapOvr>
+  <mc:AlternateContent xmlns:mc="http://schemas.openxmlformats.org/markup-compatibility/2006">
+    <mc:Choice xmlns:p14="http://schemas.microsoft.com/office/powerpoint/2010/main" Requires="p14">
+      <p:transition spd="slow" p14:dur="900" advClick="0">
+        <p:fade thruBlk="1"/>
+      </p:transition>
+    </mc:Choice>
+    <mc:Fallback>
+      <p:transition xmlns:p14="http://schemas.microsoft.com/office/powerpoint/2010/main" spd="slow" advClick="0">
+        <p:fade thruBlk="1"/>
+      </p:transition>
+    </mc:Fallback>
+  </mc:AlternateContent>
+  <p:timing>
+    <p:tnLst>
+      <p:par>
+        <p:cTn xmlns:p14="http://schemas.microsoft.com/office/powerpoint/2010/main" id="1" dur="indefinite" restart="never" nodeType="tmRoot"/>
+      </p:par>
+    </p:tnLst>
+  </p:timing>
+</p:sld>
+</file>
+
+<file path=ppt/slides/slide9.xml><?xml version="1.0" encoding="utf-8"?>
+<p:sld xmlns:a="http://schemas.openxmlformats.org/drawingml/2006/main" xmlns:r="http://schemas.openxmlformats.org/officeDocument/2006/relationships" xmlns:p="http://schemas.openxmlformats.org/presentationml/2006/main">
+  <p:cSld>
+    <p:spTree>
+      <p:nvGrpSpPr>
+        <p:cNvPr id="1" name=""/>
+        <p:cNvGrpSpPr/>
+        <p:nvPr/>
+      </p:nvGrpSpPr>
+      <p:grpSpPr>
+        <a:xfrm>
+          <a:off x="0" y="0"/>
+          <a:ext cx="0" cy="0"/>
+          <a:chOff x="0" y="0"/>
+          <a:chExt cx="0" cy="0"/>
+        </a:xfrm>
+      </p:grpSpPr>
+      <p:sp>
+        <p:nvSpPr>
+          <p:cNvPr id="3" name="Content Placeholder 2"/>
+          <p:cNvSpPr>
+            <a:spLocks noGrp="1"/>
+          </p:cNvSpPr>
+          <p:nvPr>
+            <p:ph idx="1"/>
+          </p:nvPr>
+        </p:nvSpPr>
+        <p:spPr>
+          <a:xfrm>
+            <a:off x="95250" y="1415142"/>
+            <a:ext cx="8951988" cy="4971143"/>
+          </a:xfrm>
+        </p:spPr>
+        <p:txBody>
+          <a:bodyPr/>
+          <a:lstStyle/>
+          <a:p>
+            <a:pPr marL="0" indent="0">
+              <a:spcBef>
+                <a:spcPts val="0"/>
+              </a:spcBef>
+            </a:pPr>
+            <a:r>
+              <a:rPr lang="en-US" sz="4000" dirty="0" smtClean="0"/>
+              <a:t>In particular, it is impossible to find a program (in any programming language you choose – say C++), that is capable of </a:t>
+            </a:r>
+            <a:r>
+              <a:rPr lang="en-US" sz="4000" dirty="0" smtClean="0"/>
+              <a:t>analyzing </a:t>
+            </a:r>
+            <a:r>
+              <a:rPr lang="en-US" sz="4000" dirty="0" smtClean="0"/>
+              <a:t>an </a:t>
+            </a:r>
+            <a:r>
+              <a:rPr lang="en-US" sz="4000" dirty="0" smtClean="0">
+                <a:solidFill>
+                  <a:srgbClr val="0000FF"/>
+                </a:solidFill>
+              </a:rPr>
+              <a:t>arbitrary </a:t>
+            </a:r>
+            <a:r>
+              <a:rPr lang="en-US" sz="4000" dirty="0" smtClean="0">
+                <a:solidFill>
+                  <a:srgbClr val="0000FF"/>
+                </a:solidFill>
+              </a:rPr>
+              <a:t>program</a:t>
+            </a:r>
+            <a:endParaRPr lang="en-US" sz="4000" dirty="0">
+              <a:solidFill>
+                <a:srgbClr val="0000FF"/>
+              </a:solidFill>
+            </a:endParaRPr>
+          </a:p>
+        </p:txBody>
+      </p:sp>
+    </p:spTree>
+    <p:extLst>
+      <p:ext uri="{BB962C8B-B14F-4D97-AF65-F5344CB8AC3E}">
+        <p14:creationId xmlns:p14="http://schemas.microsoft.com/office/powerpoint/2010/main" val="1792965823"/>
+      </p:ext>
+    </p:extLst>
+  </p:cSld>
+  <p:clrMapOvr>
+    <a:masterClrMapping/>
+  </p:clrMapOvr>
+  <mc:AlternateContent xmlns:mc="http://schemas.openxmlformats.org/markup-compatibility/2006">
+    <mc:Choice xmlns:p14="http://schemas.microsoft.com/office/powerpoint/2010/main" Requires="p14">
+      <p:transition spd="med" p14:dur="700" advClick="0">
+        <p:fade/>
+      </p:transition>
+    </mc:Choice>
+    <mc:Fallback>
+      <p:transition xmlns:p14="http://schemas.microsoft.com/office/powerpoint/2010/main" spd="med" advClick="0">
+        <p:fade/>
+      </p:transition>
+    </mc:Fallback>
+  </mc:AlternateContent>
+  <p:timing>
+    <p:tnLst>
+      <p:par>
+        <p:cTn xmlns:p14="http://schemas.microsoft.com/office/powerpoint/2010/main" id="1" dur="indefinite" restart="never" nodeType="tmRoot"/>
       </p:par>
     </p:tnLst>
   </p:timing>
